--- a/Documentacion/Presentacion.pptx
+++ b/Documentacion/Presentacion.pptx
@@ -112,6 +112,11 @@
       </a:defRPr>
     </a:lvl9pPr>
   </p:defaultTextStyle>
+  <p:extLst>
+    <p:ext uri="{EFAFB233-063F-42B5-8137-9DF3F51BA10A}">
+      <p15:sldGuideLst xmlns:p15="http://schemas.microsoft.com/office/powerpoint/2012/main"/>
+    </p:ext>
+  </p:extLst>
 </p:presentation>
 </file>
 
@@ -451,7 +456,7 @@
             <a:fld id="{5923F103-BC34-4FE4-A40E-EDDEECFDA5D0}" type="datetimeFigureOut">
               <a:rPr lang="en-US" dirty="0"/>
               <a:pPr/>
-              <a:t>2018-06-11</a:t>
+              <a:t>13-Jun-18</a:t>
             </a:fld>
             <a:endParaRPr lang="en-US" dirty="0"/>
           </a:p>
@@ -1539,7 +1544,7 @@
           <a:p>
             <a:fld id="{923A1CC3-2375-41D4-9E03-427CAF2A4C1A}" type="datetimeFigureOut">
               <a:rPr lang="en-US" dirty="0"/>
-              <a:t>2018-06-11</a:t>
+              <a:t>13-Jun-18</a:t>
             </a:fld>
             <a:endParaRPr lang="en-US" dirty="0"/>
           </a:p>
@@ -2519,7 +2524,7 @@
           <a:p>
             <a:fld id="{AFF16868-8199-4C2C-A5B1-63AEE139F88E}" type="datetimeFigureOut">
               <a:rPr lang="en-US" dirty="0"/>
-              <a:t>2018-06-11</a:t>
+              <a:t>13-Jun-18</a:t>
             </a:fld>
             <a:endParaRPr lang="en-US" dirty="0"/>
           </a:p>
@@ -3653,7 +3658,7 @@
           <a:p>
             <a:fld id="{AAD9FF7F-6988-44CC-821B-644E70CD2F73}" type="datetimeFigureOut">
               <a:rPr lang="en-US" dirty="0"/>
-              <a:t>2018-06-11</a:t>
+              <a:t>13-Jun-18</a:t>
             </a:fld>
             <a:endParaRPr lang="en-US" dirty="0"/>
           </a:p>
@@ -4686,7 +4691,7 @@
           <a:p>
             <a:fld id="{5C12C299-16B2-4475-990D-751901EACC14}" type="datetimeFigureOut">
               <a:rPr lang="en-US" dirty="0"/>
-              <a:t>2018-06-11</a:t>
+              <a:t>13-Jun-18</a:t>
             </a:fld>
             <a:endParaRPr lang="en-US" dirty="0"/>
           </a:p>
@@ -5346,7 +5351,7 @@
           <a:p>
             <a:fld id="{9FE86839-B9D8-4651-8783-F325ECE74E65}" type="datetimeFigureOut">
               <a:rPr lang="en-US" dirty="0"/>
-              <a:t>2018-06-11</a:t>
+              <a:t>13-Jun-18</a:t>
             </a:fld>
             <a:endParaRPr lang="en-US" dirty="0"/>
           </a:p>
@@ -6207,7 +6212,7 @@
           <a:p>
             <a:fld id="{FD484F64-32F6-45C5-931F-ADC1662401D0}" type="datetimeFigureOut">
               <a:rPr lang="en-US" dirty="0"/>
-              <a:t>2018-06-11</a:t>
+              <a:t>13-Jun-18</a:t>
             </a:fld>
             <a:endParaRPr lang="en-US" dirty="0"/>
           </a:p>
@@ -6397,7 +6402,7 @@
           <a:p>
             <a:fld id="{53086D93-FCAC-47E0-A2EE-787E62CA814C}" type="datetimeFigureOut">
               <a:rPr lang="en-US" dirty="0"/>
-              <a:t>2018-06-11</a:t>
+              <a:t>13-Jun-18</a:t>
             </a:fld>
             <a:endParaRPr lang="en-US" dirty="0"/>
           </a:p>
@@ -7369,7 +7374,7 @@
           <a:p>
             <a:fld id="{CDA879A6-0FD0-4734-A311-86BFCA472E6E}" type="datetimeFigureOut">
               <a:rPr lang="en-US" dirty="0"/>
-              <a:t>2018-06-11</a:t>
+              <a:t>13-Jun-18</a:t>
             </a:fld>
             <a:endParaRPr lang="en-US" dirty="0"/>
           </a:p>
@@ -7580,7 +7585,7 @@
           <a:p>
             <a:fld id="{19C9CA7B-DFD4-44B5-8C60-D14B8CD1FB59}" type="datetimeFigureOut">
               <a:rPr lang="en-US" dirty="0"/>
-              <a:t>2018-06-11</a:t>
+              <a:t>13-Jun-18</a:t>
             </a:fld>
             <a:endParaRPr lang="en-US" dirty="0"/>
           </a:p>
@@ -8614,7 +8619,7 @@
           <a:p>
             <a:fld id="{F34E6425-0181-43F2-84FC-787E803FD2F8}" type="datetimeFigureOut">
               <a:rPr lang="en-US" dirty="0"/>
-              <a:t>2018-06-11</a:t>
+              <a:t>13-Jun-18</a:t>
             </a:fld>
             <a:endParaRPr lang="en-US" dirty="0"/>
           </a:p>
@@ -8886,7 +8891,7 @@
           <a:p>
             <a:fld id="{3BDB8791-F1B0-41E7-B7FD-A781E65C4266}" type="datetimeFigureOut">
               <a:rPr lang="en-US" dirty="0"/>
-              <a:t>2018-06-11</a:t>
+              <a:t>13-Jun-18</a:t>
             </a:fld>
             <a:endParaRPr lang="en-US" dirty="0"/>
           </a:p>
@@ -9296,7 +9301,7 @@
           <a:p>
             <a:fld id="{5FDD63B2-E120-4ED8-B27B-C685F510A5FE}" type="datetimeFigureOut">
               <a:rPr lang="en-US" dirty="0"/>
-              <a:t>2018-06-11</a:t>
+              <a:t>13-Jun-18</a:t>
             </a:fld>
             <a:endParaRPr lang="en-US" dirty="0"/>
           </a:p>
@@ -9423,7 +9428,7 @@
           <a:p>
             <a:fld id="{7AA18ACC-A947-437B-A130-35BD54FDF1E9}" type="datetimeFigureOut">
               <a:rPr lang="en-US" dirty="0"/>
-              <a:t>2018-06-11</a:t>
+              <a:t>13-Jun-18</a:t>
             </a:fld>
             <a:endParaRPr lang="en-US" dirty="0"/>
           </a:p>
@@ -9518,7 +9523,7 @@
           <a:p>
             <a:fld id="{7C8D7E02-BCB8-4D50-A234-369438C08659}" type="datetimeFigureOut">
               <a:rPr lang="en-US" dirty="0"/>
-              <a:t>2018-06-11</a:t>
+              <a:t>13-Jun-18</a:t>
             </a:fld>
             <a:endParaRPr lang="en-US" dirty="0"/>
           </a:p>
@@ -10599,7 +10604,7 @@
           <a:p>
             <a:fld id="{76E86A4C-8E40-4F87-A4F0-01A0687C5742}" type="datetimeFigureOut">
               <a:rPr lang="en-US" dirty="0"/>
-              <a:t>2018-06-11</a:t>
+              <a:t>13-Jun-18</a:t>
             </a:fld>
             <a:endParaRPr lang="en-US" dirty="0"/>
           </a:p>
@@ -11707,7 +11712,7 @@
           <a:p>
             <a:fld id="{35E72C73-2D91-4E12-BA25-F0AA0C03599B}" type="datetimeFigureOut">
               <a:rPr lang="en-US" dirty="0"/>
-              <a:t>2018-06-11</a:t>
+              <a:t>13-Jun-18</a:t>
             </a:fld>
             <a:endParaRPr lang="en-US" dirty="0"/>
           </a:p>
@@ -12704,7 +12709,7 @@
           <a:p>
             <a:fld id="{2BE451C3-0FF4-47C4-B829-773ADF60F88C}" type="datetimeFigureOut">
               <a:rPr lang="en-US" dirty="0"/>
-              <a:t>2018-06-11</a:t>
+              <a:t>13-Jun-18</a:t>
             </a:fld>
             <a:endParaRPr lang="en-US" dirty="0"/>
           </a:p>
@@ -15323,10 +15328,10 @@
       </p:grpSpPr>
       <p:grpSp>
         <p:nvGrpSpPr>
-          <p:cNvPr id="9" name="Group 8">
+          <p:cNvPr id="23" name="Group 22">
             <a:extLst>
               <a:ext uri="{FF2B5EF4-FFF2-40B4-BE49-F238E27FC236}">
-                <a16:creationId xmlns:a16="http://schemas.microsoft.com/office/drawing/2014/main" id="{427E0A4F-FE1D-4A81-8D8F-986345F71CBE}"/>
+                <a16:creationId xmlns:a16="http://schemas.microsoft.com/office/drawing/2014/main" id="{6061F655-345C-4AD8-85BC-913D875232C0}"/>
               </a:ext>
               <a:ext uri="{C183D7F6-B498-43B3-948B-1728B52AA6E4}">
                 <adec:decorative xmlns:adec="http://schemas.microsoft.com/office/drawing/2017/decorative" val="1"/>
@@ -15354,10 +15359,10 @@
         </p:grpSpPr>
         <p:sp>
           <p:nvSpPr>
-            <p:cNvPr id="10" name="Rectangle 9">
+            <p:cNvPr id="24" name="Rectangle 23">
               <a:extLst>
                 <a:ext uri="{FF2B5EF4-FFF2-40B4-BE49-F238E27FC236}">
-                  <a16:creationId xmlns:a16="http://schemas.microsoft.com/office/drawing/2014/main" id="{F70C2B8F-6B1B-46D5-86E6-40F36C695FC2}"/>
+                  <a16:creationId xmlns:a16="http://schemas.microsoft.com/office/drawing/2014/main" id="{643780CE-2BE5-46F6-97B2-60DF30217ED3}"/>
                 </a:ext>
                 <a:ext uri="{C183D7F6-B498-43B3-948B-1728B52AA6E4}">
                   <adec:decorative xmlns:adec="http://schemas.microsoft.com/office/drawing/2017/decorative" val="1"/>
@@ -15424,10 +15429,10 @@
         </p:sp>
         <p:sp>
           <p:nvSpPr>
-            <p:cNvPr id="11" name="Oval 10">
+            <p:cNvPr id="25" name="Oval 24">
               <a:extLst>
                 <a:ext uri="{FF2B5EF4-FFF2-40B4-BE49-F238E27FC236}">
-                  <a16:creationId xmlns:a16="http://schemas.microsoft.com/office/drawing/2014/main" id="{77B237C1-E8A0-4DD3-B6C5-F2D54F796F82}"/>
+                  <a16:creationId xmlns:a16="http://schemas.microsoft.com/office/drawing/2014/main" id="{4233DC0E-DE6C-4FB6-A529-51B162641AB8}"/>
                 </a:ext>
                 <a:ext uri="{C183D7F6-B498-43B3-948B-1728B52AA6E4}">
                   <adec:decorative xmlns:adec="http://schemas.microsoft.com/office/drawing/2017/decorative" val="1"/>
@@ -15496,10 +15501,10 @@
         </p:sp>
         <p:sp>
           <p:nvSpPr>
-            <p:cNvPr id="12" name="Oval 11">
+            <p:cNvPr id="26" name="Oval 25">
               <a:extLst>
                 <a:ext uri="{FF2B5EF4-FFF2-40B4-BE49-F238E27FC236}">
-                  <a16:creationId xmlns:a16="http://schemas.microsoft.com/office/drawing/2014/main" id="{88D62F0D-6BD4-4DD4-B125-6F7A952A3122}"/>
+                  <a16:creationId xmlns:a16="http://schemas.microsoft.com/office/drawing/2014/main" id="{3870477F-E451-4BC3-863F-0E2FC572884B}"/>
                 </a:ext>
                 <a:ext uri="{C183D7F6-B498-43B3-948B-1728B52AA6E4}">
                   <adec:decorative xmlns:adec="http://schemas.microsoft.com/office/drawing/2017/decorative" val="1"/>
@@ -15568,10 +15573,10 @@
         </p:sp>
         <p:sp>
           <p:nvSpPr>
-            <p:cNvPr id="13" name="Rectangle 12">
+            <p:cNvPr id="27" name="Rectangle 26">
               <a:extLst>
                 <a:ext uri="{FF2B5EF4-FFF2-40B4-BE49-F238E27FC236}">
-                  <a16:creationId xmlns:a16="http://schemas.microsoft.com/office/drawing/2014/main" id="{F928E8CD-5219-4795-91D4-9618DB8ED6C1}"/>
+                  <a16:creationId xmlns:a16="http://schemas.microsoft.com/office/drawing/2014/main" id="{88FBA05C-D740-40CE-9A7D-9E5A715AEA36}"/>
                 </a:ext>
                 <a:ext uri="{C183D7F6-B498-43B3-948B-1728B52AA6E4}">
                   <adec:decorative xmlns:adec="http://schemas.microsoft.com/office/drawing/2017/decorative" val="1"/>
@@ -15589,8 +15594,8 @@
           </p:nvSpPr>
           <p:spPr bwMode="gray">
             <a:xfrm>
-              <a:off x="6700828" y="402165"/>
-              <a:ext cx="5067838" cy="6053670"/>
+              <a:off x="5713412" y="402165"/>
+              <a:ext cx="6055253" cy="6053670"/>
             </a:xfrm>
             <a:prstGeom prst="rect">
               <a:avLst/>
@@ -15620,209 +15625,10 @@
         </p:sp>
         <p:sp>
           <p:nvSpPr>
-            <p:cNvPr id="14" name="Freeform 5">
+            <p:cNvPr id="28" name="Freeform 5">
               <a:extLst>
                 <a:ext uri="{FF2B5EF4-FFF2-40B4-BE49-F238E27FC236}">
-                  <a16:creationId xmlns:a16="http://schemas.microsoft.com/office/drawing/2014/main" id="{A00A43E1-4FE7-498F-AFFF-FDFC1FAF04AD}"/>
-                </a:ext>
-                <a:ext uri="{C183D7F6-B498-43B3-948B-1728B52AA6E4}">
-                  <adec:decorative xmlns:adec="http://schemas.microsoft.com/office/drawing/2017/decorative" val="1"/>
-                </a:ext>
-              </a:extLst>
-            </p:cNvPr>
-            <p:cNvSpPr/>
-            <p:nvPr>
-              <p:extLst>
-                <p:ext uri="{386F3935-93C4-4BCD-93E2-E3B085C9AB24}">
-                  <p16:designElem xmlns:p16="http://schemas.microsoft.com/office/powerpoint/2015/main" val="1"/>
-                </p:ext>
-              </p:extLst>
-            </p:nvPr>
-          </p:nvSpPr>
-          <p:spPr bwMode="gray">
-            <a:xfrm rot="16200000">
-              <a:off x="3787244" y="2801721"/>
-              <a:ext cx="6053670" cy="1254558"/>
-            </a:xfrm>
-            <a:custGeom>
-              <a:avLst/>
-              <a:gdLst/>
-              <a:ahLst/>
-              <a:cxnLst/>
-              <a:rect l="l" t="t" r="r" b="b"/>
-              <a:pathLst>
-                <a:path w="10000" h="8000">
-                  <a:moveTo>
-                    <a:pt x="0" y="0"/>
-                  </a:moveTo>
-                  <a:lnTo>
-                    <a:pt x="0" y="7970"/>
-                  </a:lnTo>
-                  <a:lnTo>
-                    <a:pt x="10000" y="8000"/>
-                  </a:lnTo>
-                  <a:lnTo>
-                    <a:pt x="10000" y="7"/>
-                  </a:lnTo>
-                  <a:lnTo>
-                    <a:pt x="10000" y="7"/>
-                  </a:lnTo>
-                  <a:lnTo>
-                    <a:pt x="9773" y="156"/>
-                  </a:lnTo>
-                  <a:lnTo>
-                    <a:pt x="9547" y="298"/>
-                  </a:lnTo>
-                  <a:lnTo>
-                    <a:pt x="9320" y="437"/>
-                  </a:lnTo>
-                  <a:lnTo>
-                    <a:pt x="9092" y="556"/>
-                  </a:lnTo>
-                  <a:lnTo>
-                    <a:pt x="8865" y="676"/>
-                  </a:lnTo>
-                  <a:lnTo>
-                    <a:pt x="8637" y="788"/>
-                  </a:lnTo>
-                  <a:lnTo>
-                    <a:pt x="8412" y="884"/>
-                  </a:lnTo>
-                  <a:lnTo>
-                    <a:pt x="8184" y="975"/>
-                  </a:lnTo>
-                  <a:lnTo>
-                    <a:pt x="7957" y="1058"/>
-                  </a:lnTo>
-                  <a:lnTo>
-                    <a:pt x="7734" y="1130"/>
-                  </a:lnTo>
-                  <a:lnTo>
-                    <a:pt x="7508" y="1202"/>
-                  </a:lnTo>
-                  <a:lnTo>
-                    <a:pt x="7285" y="1262"/>
-                  </a:lnTo>
-                  <a:lnTo>
-                    <a:pt x="7062" y="1309"/>
-                  </a:lnTo>
-                  <a:lnTo>
-                    <a:pt x="6840" y="1358"/>
-                  </a:lnTo>
-                  <a:lnTo>
-                    <a:pt x="6620" y="1399"/>
-                  </a:lnTo>
-                  <a:lnTo>
-                    <a:pt x="6402" y="1428"/>
-                  </a:lnTo>
-                  <a:lnTo>
-                    <a:pt x="6184" y="1453"/>
-                  </a:lnTo>
-                  <a:lnTo>
-                    <a:pt x="5968" y="1477"/>
-                  </a:lnTo>
-                  <a:lnTo>
-                    <a:pt x="5755" y="1488"/>
-                  </a:lnTo>
-                  <a:lnTo>
-                    <a:pt x="5542" y="1500"/>
-                  </a:lnTo>
-                  <a:lnTo>
-                    <a:pt x="5332" y="1506"/>
-                  </a:lnTo>
-                  <a:lnTo>
-                    <a:pt x="5124" y="1500"/>
-                  </a:lnTo>
-                  <a:lnTo>
-                    <a:pt x="4918" y="1500"/>
-                  </a:lnTo>
-                  <a:lnTo>
-                    <a:pt x="4714" y="1488"/>
-                  </a:lnTo>
-                  <a:lnTo>
-                    <a:pt x="4514" y="1470"/>
-                  </a:lnTo>
-                  <a:lnTo>
-                    <a:pt x="4316" y="1453"/>
-                  </a:lnTo>
-                  <a:lnTo>
-                    <a:pt x="4122" y="1434"/>
-                  </a:lnTo>
-                  <a:lnTo>
-                    <a:pt x="3929" y="1405"/>
-                  </a:lnTo>
-                  <a:lnTo>
-                    <a:pt x="3739" y="1374"/>
-                  </a:lnTo>
-                  <a:lnTo>
-                    <a:pt x="3553" y="1346"/>
-                  </a:lnTo>
-                  <a:lnTo>
-                    <a:pt x="3190" y="1267"/>
-                  </a:lnTo>
-                  <a:lnTo>
-                    <a:pt x="2842" y="1183"/>
-                  </a:lnTo>
-                  <a:lnTo>
-                    <a:pt x="2508" y="1095"/>
-                  </a:lnTo>
-                  <a:lnTo>
-                    <a:pt x="2192" y="998"/>
-                  </a:lnTo>
-                  <a:lnTo>
-                    <a:pt x="1890" y="897"/>
-                  </a:lnTo>
-                  <a:lnTo>
-                    <a:pt x="1610" y="788"/>
-                  </a:lnTo>
-                  <a:lnTo>
-                    <a:pt x="1347" y="681"/>
-                  </a:lnTo>
-                  <a:lnTo>
-                    <a:pt x="1105" y="574"/>
-                  </a:lnTo>
-                  <a:lnTo>
-                    <a:pt x="883" y="473"/>
-                  </a:lnTo>
-                  <a:lnTo>
-                    <a:pt x="686" y="377"/>
-                  </a:lnTo>
-                  <a:lnTo>
-                    <a:pt x="508" y="286"/>
-                  </a:lnTo>
-                  <a:lnTo>
-                    <a:pt x="358" y="210"/>
-                  </a:lnTo>
-                  <a:lnTo>
-                    <a:pt x="232" y="138"/>
-                  </a:lnTo>
-                  <a:lnTo>
-                    <a:pt x="59" y="35"/>
-                  </a:lnTo>
-                  <a:lnTo>
-                    <a:pt x="0" y="0"/>
-                  </a:lnTo>
-                  <a:lnTo>
-                    <a:pt x="0" y="0"/>
-                  </a:lnTo>
-                  <a:close/>
-                </a:path>
-              </a:pathLst>
-            </a:custGeom>
-            <a:solidFill>
-              <a:schemeClr val="bg1"/>
-            </a:solidFill>
-            <a:ln>
-              <a:noFill/>
-            </a:ln>
-          </p:spPr>
-        </p:sp>
-        <p:sp>
-          <p:nvSpPr>
-            <p:cNvPr id="15" name="Freeform 5">
-              <a:extLst>
-                <a:ext uri="{FF2B5EF4-FFF2-40B4-BE49-F238E27FC236}">
-                  <a16:creationId xmlns:a16="http://schemas.microsoft.com/office/drawing/2014/main" id="{DB521824-592C-476A-AB0A-CA0C6D1F3407}"/>
+                  <a16:creationId xmlns:a16="http://schemas.microsoft.com/office/drawing/2014/main" id="{B4A81DE1-E2BC-4A31-99EE-71350421B0EA}"/>
                 </a:ext>
                 <a:ext uri="{C183D7F6-B498-43B3-948B-1728B52AA6E4}">
                   <adec:decorative xmlns:adec="http://schemas.microsoft.com/office/drawing/2017/decorative" val="1"/>
@@ -15840,7 +15646,7 @@
           </p:nvSpPr>
           <p:spPr bwMode="gray">
             <a:xfrm rot="15922489">
-              <a:off x="4698352" y="1826078"/>
+              <a:off x="3140485" y="1826078"/>
               <a:ext cx="3299407" cy="440924"/>
             </a:xfrm>
             <a:custGeom>
@@ -15981,10 +15787,209 @@
         </p:sp>
         <p:sp>
           <p:nvSpPr>
-            <p:cNvPr id="16" name="Freeform 5">
+            <p:cNvPr id="29" name="Freeform 5">
               <a:extLst>
                 <a:ext uri="{FF2B5EF4-FFF2-40B4-BE49-F238E27FC236}">
-                  <a16:creationId xmlns:a16="http://schemas.microsoft.com/office/drawing/2014/main" id="{B5C860C9-D4F9-4350-80DA-0D1CD36C7741}"/>
+                  <a16:creationId xmlns:a16="http://schemas.microsoft.com/office/drawing/2014/main" id="{FDE8183D-5757-4D73-A338-62BDD88E49B2}"/>
+                </a:ext>
+                <a:ext uri="{C183D7F6-B498-43B3-948B-1728B52AA6E4}">
+                  <adec:decorative xmlns:adec="http://schemas.microsoft.com/office/drawing/2017/decorative" val="1"/>
+                </a:ext>
+              </a:extLst>
+            </p:cNvPr>
+            <p:cNvSpPr/>
+            <p:nvPr>
+              <p:extLst>
+                <p:ext uri="{386F3935-93C4-4BCD-93E2-E3B085C9AB24}">
+                  <p16:designElem xmlns:p16="http://schemas.microsoft.com/office/powerpoint/2015/main" val="1"/>
+                </p:ext>
+              </p:extLst>
+            </p:nvPr>
+          </p:nvSpPr>
+          <p:spPr bwMode="gray">
+            <a:xfrm rot="16200000">
+              <a:off x="2229377" y="2801721"/>
+              <a:ext cx="6053670" cy="1254558"/>
+            </a:xfrm>
+            <a:custGeom>
+              <a:avLst/>
+              <a:gdLst/>
+              <a:ahLst/>
+              <a:cxnLst/>
+              <a:rect l="l" t="t" r="r" b="b"/>
+              <a:pathLst>
+                <a:path w="10000" h="8000">
+                  <a:moveTo>
+                    <a:pt x="0" y="0"/>
+                  </a:moveTo>
+                  <a:lnTo>
+                    <a:pt x="0" y="7970"/>
+                  </a:lnTo>
+                  <a:lnTo>
+                    <a:pt x="10000" y="8000"/>
+                  </a:lnTo>
+                  <a:lnTo>
+                    <a:pt x="10000" y="7"/>
+                  </a:lnTo>
+                  <a:lnTo>
+                    <a:pt x="10000" y="7"/>
+                  </a:lnTo>
+                  <a:lnTo>
+                    <a:pt x="9773" y="156"/>
+                  </a:lnTo>
+                  <a:lnTo>
+                    <a:pt x="9547" y="298"/>
+                  </a:lnTo>
+                  <a:lnTo>
+                    <a:pt x="9320" y="437"/>
+                  </a:lnTo>
+                  <a:lnTo>
+                    <a:pt x="9092" y="556"/>
+                  </a:lnTo>
+                  <a:lnTo>
+                    <a:pt x="8865" y="676"/>
+                  </a:lnTo>
+                  <a:lnTo>
+                    <a:pt x="8637" y="788"/>
+                  </a:lnTo>
+                  <a:lnTo>
+                    <a:pt x="8412" y="884"/>
+                  </a:lnTo>
+                  <a:lnTo>
+                    <a:pt x="8184" y="975"/>
+                  </a:lnTo>
+                  <a:lnTo>
+                    <a:pt x="7957" y="1058"/>
+                  </a:lnTo>
+                  <a:lnTo>
+                    <a:pt x="7734" y="1130"/>
+                  </a:lnTo>
+                  <a:lnTo>
+                    <a:pt x="7508" y="1202"/>
+                  </a:lnTo>
+                  <a:lnTo>
+                    <a:pt x="7285" y="1262"/>
+                  </a:lnTo>
+                  <a:lnTo>
+                    <a:pt x="7062" y="1309"/>
+                  </a:lnTo>
+                  <a:lnTo>
+                    <a:pt x="6840" y="1358"/>
+                  </a:lnTo>
+                  <a:lnTo>
+                    <a:pt x="6620" y="1399"/>
+                  </a:lnTo>
+                  <a:lnTo>
+                    <a:pt x="6402" y="1428"/>
+                  </a:lnTo>
+                  <a:lnTo>
+                    <a:pt x="6184" y="1453"/>
+                  </a:lnTo>
+                  <a:lnTo>
+                    <a:pt x="5968" y="1477"/>
+                  </a:lnTo>
+                  <a:lnTo>
+                    <a:pt x="5755" y="1488"/>
+                  </a:lnTo>
+                  <a:lnTo>
+                    <a:pt x="5542" y="1500"/>
+                  </a:lnTo>
+                  <a:lnTo>
+                    <a:pt x="5332" y="1506"/>
+                  </a:lnTo>
+                  <a:lnTo>
+                    <a:pt x="5124" y="1500"/>
+                  </a:lnTo>
+                  <a:lnTo>
+                    <a:pt x="4918" y="1500"/>
+                  </a:lnTo>
+                  <a:lnTo>
+                    <a:pt x="4714" y="1488"/>
+                  </a:lnTo>
+                  <a:lnTo>
+                    <a:pt x="4514" y="1470"/>
+                  </a:lnTo>
+                  <a:lnTo>
+                    <a:pt x="4316" y="1453"/>
+                  </a:lnTo>
+                  <a:lnTo>
+                    <a:pt x="4122" y="1434"/>
+                  </a:lnTo>
+                  <a:lnTo>
+                    <a:pt x="3929" y="1405"/>
+                  </a:lnTo>
+                  <a:lnTo>
+                    <a:pt x="3739" y="1374"/>
+                  </a:lnTo>
+                  <a:lnTo>
+                    <a:pt x="3553" y="1346"/>
+                  </a:lnTo>
+                  <a:lnTo>
+                    <a:pt x="3190" y="1267"/>
+                  </a:lnTo>
+                  <a:lnTo>
+                    <a:pt x="2842" y="1183"/>
+                  </a:lnTo>
+                  <a:lnTo>
+                    <a:pt x="2508" y="1095"/>
+                  </a:lnTo>
+                  <a:lnTo>
+                    <a:pt x="2192" y="998"/>
+                  </a:lnTo>
+                  <a:lnTo>
+                    <a:pt x="1890" y="897"/>
+                  </a:lnTo>
+                  <a:lnTo>
+                    <a:pt x="1610" y="788"/>
+                  </a:lnTo>
+                  <a:lnTo>
+                    <a:pt x="1347" y="681"/>
+                  </a:lnTo>
+                  <a:lnTo>
+                    <a:pt x="1105" y="574"/>
+                  </a:lnTo>
+                  <a:lnTo>
+                    <a:pt x="883" y="473"/>
+                  </a:lnTo>
+                  <a:lnTo>
+                    <a:pt x="686" y="377"/>
+                  </a:lnTo>
+                  <a:lnTo>
+                    <a:pt x="508" y="286"/>
+                  </a:lnTo>
+                  <a:lnTo>
+                    <a:pt x="358" y="210"/>
+                  </a:lnTo>
+                  <a:lnTo>
+                    <a:pt x="232" y="138"/>
+                  </a:lnTo>
+                  <a:lnTo>
+                    <a:pt x="59" y="35"/>
+                  </a:lnTo>
+                  <a:lnTo>
+                    <a:pt x="0" y="0"/>
+                  </a:lnTo>
+                  <a:lnTo>
+                    <a:pt x="0" y="0"/>
+                  </a:lnTo>
+                  <a:close/>
+                </a:path>
+              </a:pathLst>
+            </a:custGeom>
+            <a:solidFill>
+              <a:schemeClr val="bg1"/>
+            </a:solidFill>
+            <a:ln>
+              <a:noFill/>
+            </a:ln>
+          </p:spPr>
+        </p:sp>
+        <p:sp>
+          <p:nvSpPr>
+            <p:cNvPr id="30" name="Freeform 5">
+              <a:extLst>
+                <a:ext uri="{FF2B5EF4-FFF2-40B4-BE49-F238E27FC236}">
+                  <a16:creationId xmlns:a16="http://schemas.microsoft.com/office/drawing/2014/main" id="{F6ACD5FC-CAFE-48EB-B765-60EED2E052F0}"/>
                 </a:ext>
                 <a:ext uri="{C183D7F6-B498-43B3-948B-1728B52AA6E4}">
                   <adec:decorative xmlns:adec="http://schemas.microsoft.com/office/drawing/2017/decorative" val="1"/>
@@ -16059,202 +16064,12 @@
           </p:spPr>
         </p:sp>
       </p:grpSp>
-      <p:sp>
-        <p:nvSpPr>
-          <p:cNvPr id="2" name="Title 1">
+      <p:pic>
+        <p:nvPicPr>
+          <p:cNvPr id="5" name="Picture 4">
             <a:extLst>
               <a:ext uri="{FF2B5EF4-FFF2-40B4-BE49-F238E27FC236}">
-                <a16:creationId xmlns:a16="http://schemas.microsoft.com/office/drawing/2014/main" id="{B0F2E545-4B95-42BF-99FD-EC504CEB7572}"/>
-              </a:ext>
-            </a:extLst>
-          </p:cNvPr>
-          <p:cNvSpPr>
-            <a:spLocks noGrp="1"/>
-          </p:cNvSpPr>
-          <p:nvPr>
-            <p:ph type="title"/>
-          </p:nvPr>
-        </p:nvSpPr>
-        <p:spPr>
-          <a:xfrm>
-            <a:off x="639098" y="629265"/>
-            <a:ext cx="5132438" cy="1622322"/>
-          </a:xfrm>
-        </p:spPr>
-        <p:txBody>
-          <a:bodyPr>
-            <a:normAutofit/>
-          </a:bodyPr>
-          <a:lstStyle/>
-          <a:p>
-            <a:r>
-              <a:rPr lang="en-US" dirty="0" err="1">
-                <a:solidFill>
-                  <a:srgbClr val="EBEBEB"/>
-                </a:solidFill>
-              </a:rPr>
-              <a:t>Funcionalidades</a:t>
-            </a:r>
-            <a:r>
-              <a:rPr lang="en-US" dirty="0">
-                <a:solidFill>
-                  <a:srgbClr val="EBEBEB"/>
-                </a:solidFill>
-              </a:rPr>
-              <a:t> para </a:t>
-            </a:r>
-            <a:r>
-              <a:rPr lang="en-US" dirty="0" err="1">
-                <a:solidFill>
-                  <a:srgbClr val="EBEBEB"/>
-                </a:solidFill>
-              </a:rPr>
-              <a:t>usuarios</a:t>
-            </a:r>
-            <a:endParaRPr lang="en-US" dirty="0">
-              <a:solidFill>
-                <a:srgbClr val="EBEBEB"/>
-              </a:solidFill>
-            </a:endParaRPr>
-          </a:p>
-        </p:txBody>
-      </p:sp>
-      <p:sp>
-        <p:nvSpPr>
-          <p:cNvPr id="3" name="Content Placeholder 2">
-            <a:extLst>
-              <a:ext uri="{FF2B5EF4-FFF2-40B4-BE49-F238E27FC236}">
-                <a16:creationId xmlns:a16="http://schemas.microsoft.com/office/drawing/2014/main" id="{6B3B47A2-8F63-4B24-B12A-857632C86430}"/>
-              </a:ext>
-            </a:extLst>
-          </p:cNvPr>
-          <p:cNvSpPr>
-            <a:spLocks noGrp="1"/>
-          </p:cNvSpPr>
-          <p:nvPr>
-            <p:ph idx="1"/>
-          </p:nvPr>
-        </p:nvSpPr>
-        <p:spPr>
-          <a:xfrm>
-            <a:off x="639098" y="2418735"/>
-            <a:ext cx="5132439" cy="3811742"/>
-          </a:xfrm>
-        </p:spPr>
-        <p:txBody>
-          <a:bodyPr anchor="ctr">
-            <a:normAutofit/>
-          </a:bodyPr>
-          <a:lstStyle/>
-          <a:p>
-            <a:r>
-              <a:rPr lang="en-US" sz="2000" dirty="0" err="1">
-                <a:solidFill>
-                  <a:srgbClr val="FFFFFF"/>
-                </a:solidFill>
-              </a:rPr>
-              <a:t>Alumnos</a:t>
-            </a:r>
-            <a:r>
-              <a:rPr lang="en-US" dirty="0">
-                <a:solidFill>
-                  <a:srgbClr val="FFFFFF"/>
-                </a:solidFill>
-              </a:rPr>
-              <a:t>:</a:t>
-            </a:r>
-          </a:p>
-          <a:p>
-            <a:pPr lvl="1"/>
-            <a:r>
-              <a:rPr lang="en-US" dirty="0" err="1">
-                <a:solidFill>
-                  <a:srgbClr val="FFFFFF"/>
-                </a:solidFill>
-              </a:rPr>
-              <a:t>Descarga</a:t>
-            </a:r>
-            <a:r>
-              <a:rPr lang="en-US" dirty="0">
-                <a:solidFill>
-                  <a:srgbClr val="FFFFFF"/>
-                </a:solidFill>
-              </a:rPr>
-              <a:t> de material</a:t>
-            </a:r>
-          </a:p>
-          <a:p>
-            <a:pPr lvl="1"/>
-            <a:r>
-              <a:rPr lang="en-US" dirty="0" err="1">
-                <a:solidFill>
-                  <a:srgbClr val="FFFFFF"/>
-                </a:solidFill>
-              </a:rPr>
-              <a:t>Entrega</a:t>
-            </a:r>
-            <a:r>
-              <a:rPr lang="en-US" dirty="0">
-                <a:solidFill>
-                  <a:srgbClr val="FFFFFF"/>
-                </a:solidFill>
-              </a:rPr>
-              <a:t> de </a:t>
-            </a:r>
-            <a:r>
-              <a:rPr lang="en-US" dirty="0" err="1">
-                <a:solidFill>
-                  <a:srgbClr val="FFFFFF"/>
-                </a:solidFill>
-              </a:rPr>
-              <a:t>actividades</a:t>
-            </a:r>
-            <a:endParaRPr lang="en-US" dirty="0">
-              <a:solidFill>
-                <a:srgbClr val="FFFFFF"/>
-              </a:solidFill>
-            </a:endParaRPr>
-          </a:p>
-          <a:p>
-            <a:pPr lvl="1"/>
-            <a:r>
-              <a:rPr lang="en-US" dirty="0" err="1">
-                <a:solidFill>
-                  <a:srgbClr val="FFFFFF"/>
-                </a:solidFill>
-              </a:rPr>
-              <a:t>Mensajería</a:t>
-            </a:r>
-            <a:r>
-              <a:rPr lang="en-US" dirty="0">
-                <a:solidFill>
-                  <a:srgbClr val="FFFFFF"/>
-                </a:solidFill>
-              </a:rPr>
-              <a:t> entre </a:t>
-            </a:r>
-            <a:r>
-              <a:rPr lang="en-US" dirty="0" err="1">
-                <a:solidFill>
-                  <a:srgbClr val="FFFFFF"/>
-                </a:solidFill>
-              </a:rPr>
-              <a:t>alumnos</a:t>
-            </a:r>
-            <a:endParaRPr lang="en-US" dirty="0">
-              <a:solidFill>
-                <a:srgbClr val="FFFFFF"/>
-              </a:solidFill>
-            </a:endParaRPr>
-          </a:p>
-        </p:txBody>
-      </p:sp>
-      <p:pic>
-        <p:nvPicPr>
-          <p:cNvPr id="4" name="Picture 3" descr="A screenshot of a cell phone&#10;&#10;Description generated with very high confidence">
-            <a:extLst>
-              <a:ext uri="{FF2B5EF4-FFF2-40B4-BE49-F238E27FC236}">
-                <a16:creationId xmlns:a16="http://schemas.microsoft.com/office/drawing/2014/main" id="{7AD98F2F-3C5E-450D-A197-C767D3C0659F}"/>
+                <a16:creationId xmlns:a16="http://schemas.microsoft.com/office/drawing/2014/main" id="{80090C37-CFA2-434F-99FC-9DA1584C4F83}"/>
               </a:ext>
             </a:extLst>
           </p:cNvPr>
@@ -16271,8 +16086,8 @@
         </p:blipFill>
         <p:spPr>
           <a:xfrm>
-            <a:off x="7313944" y="645106"/>
-            <a:ext cx="3630490" cy="5585369"/>
+            <a:off x="6309864" y="803751"/>
+            <a:ext cx="4161018" cy="5250498"/>
           </a:xfrm>
           <a:prstGeom prst="rect">
             <a:avLst/>
@@ -16281,10 +16096,10 @@
       </p:pic>
       <p:sp>
         <p:nvSpPr>
-          <p:cNvPr id="18" name="Rectangle 17">
+          <p:cNvPr id="32" name="Rectangle 31">
             <a:extLst>
               <a:ext uri="{FF2B5EF4-FFF2-40B4-BE49-F238E27FC236}">
-                <a16:creationId xmlns:a16="http://schemas.microsoft.com/office/drawing/2014/main" id="{538A90C8-AE0E-4EBA-9AF8-EEDB206020E0}"/>
+                <a16:creationId xmlns:a16="http://schemas.microsoft.com/office/drawing/2014/main" id="{9F33B405-D785-4738-B1C0-6A0AA5E98286}"/>
               </a:ext>
               <a:ext uri="{C183D7F6-B498-43B3-948B-1728B52AA6E4}">
                 <adec:decorative xmlns:adec="http://schemas.microsoft.com/office/drawing/2017/decorative" val="1"/>
@@ -16332,6 +16147,145 @@
           </a:fontRef>
         </p:style>
       </p:sp>
+      <p:sp>
+        <p:nvSpPr>
+          <p:cNvPr id="2" name="Title 1">
+            <a:extLst>
+              <a:ext uri="{FF2B5EF4-FFF2-40B4-BE49-F238E27FC236}">
+                <a16:creationId xmlns:a16="http://schemas.microsoft.com/office/drawing/2014/main" id="{B0F2E545-4B95-42BF-99FD-EC504CEB7572}"/>
+              </a:ext>
+            </a:extLst>
+          </p:cNvPr>
+          <p:cNvSpPr>
+            <a:spLocks noGrp="1"/>
+          </p:cNvSpPr>
+          <p:nvPr>
+            <p:ph type="title"/>
+          </p:nvPr>
+        </p:nvSpPr>
+        <p:spPr>
+          <a:xfrm>
+            <a:off x="1154955" y="973668"/>
+            <a:ext cx="2942210" cy="1020232"/>
+          </a:xfrm>
+        </p:spPr>
+        <p:txBody>
+          <a:bodyPr>
+            <a:normAutofit/>
+          </a:bodyPr>
+          <a:lstStyle/>
+          <a:p>
+            <a:pPr>
+              <a:lnSpc>
+                <a:spcPct val="90000"/>
+              </a:lnSpc>
+            </a:pPr>
+            <a:r>
+              <a:rPr lang="en-US" sz="2500">
+                <a:solidFill>
+                  <a:srgbClr val="EBEBEB"/>
+                </a:solidFill>
+              </a:rPr>
+              <a:t>Funcionalidades para usuarios</a:t>
+            </a:r>
+          </a:p>
+        </p:txBody>
+      </p:sp>
+      <p:sp>
+        <p:nvSpPr>
+          <p:cNvPr id="3" name="Content Placeholder 2">
+            <a:extLst>
+              <a:ext uri="{FF2B5EF4-FFF2-40B4-BE49-F238E27FC236}">
+                <a16:creationId xmlns:a16="http://schemas.microsoft.com/office/drawing/2014/main" id="{6B3B47A2-8F63-4B24-B12A-857632C86430}"/>
+              </a:ext>
+            </a:extLst>
+          </p:cNvPr>
+          <p:cNvSpPr>
+            <a:spLocks noGrp="1"/>
+          </p:cNvSpPr>
+          <p:nvPr>
+            <p:ph idx="1"/>
+          </p:nvPr>
+        </p:nvSpPr>
+        <p:spPr>
+          <a:xfrm>
+            <a:off x="1154955" y="2120900"/>
+            <a:ext cx="3133726" cy="3898900"/>
+          </a:xfrm>
+        </p:spPr>
+        <p:txBody>
+          <a:bodyPr>
+            <a:normAutofit/>
+          </a:bodyPr>
+          <a:lstStyle/>
+          <a:p>
+            <a:r>
+              <a:rPr lang="en-US">
+                <a:solidFill>
+                  <a:srgbClr val="FFFFFF"/>
+                </a:solidFill>
+              </a:rPr>
+              <a:t>Alumnos:</a:t>
+            </a:r>
+            <a:endParaRPr lang="en-US" dirty="0">
+              <a:solidFill>
+                <a:srgbClr val="FFFFFF"/>
+              </a:solidFill>
+            </a:endParaRPr>
+          </a:p>
+          <a:p>
+            <a:pPr lvl="1"/>
+            <a:r>
+              <a:rPr lang="en-US">
+                <a:solidFill>
+                  <a:srgbClr val="FFFFFF"/>
+                </a:solidFill>
+              </a:rPr>
+              <a:t>Descarga </a:t>
+            </a:r>
+            <a:r>
+              <a:rPr lang="en-US" dirty="0">
+                <a:solidFill>
+                  <a:srgbClr val="FFFFFF"/>
+                </a:solidFill>
+              </a:rPr>
+              <a:t>de material</a:t>
+            </a:r>
+          </a:p>
+          <a:p>
+            <a:pPr lvl="1"/>
+            <a:r>
+              <a:rPr lang="en-US">
+                <a:solidFill>
+                  <a:srgbClr val="FFFFFF"/>
+                </a:solidFill>
+              </a:rPr>
+              <a:t>Entrega de actividades</a:t>
+            </a:r>
+            <a:endParaRPr lang="en-US" dirty="0">
+              <a:solidFill>
+                <a:srgbClr val="FFFFFF"/>
+              </a:solidFill>
+            </a:endParaRPr>
+          </a:p>
+          <a:p>
+            <a:pPr lvl="1"/>
+            <a:r>
+              <a:rPr lang="en-US">
+                <a:solidFill>
+                  <a:srgbClr val="FFFFFF"/>
+                </a:solidFill>
+              </a:rPr>
+              <a:t>Mensajería entre alumnos</a:t>
+            </a:r>
+            <a:endParaRPr lang="en-US" dirty="0">
+              <a:solidFill>
+                <a:srgbClr val="FFFFFF"/>
+              </a:solidFill>
+            </a:endParaRPr>
+          </a:p>
+        </p:txBody>
+      </p:sp>
     </p:spTree>
     <p:extLst>
       <p:ext uri="{BB962C8B-B14F-4D97-AF65-F5344CB8AC3E}">
@@ -16372,10 +16326,10 @@
       </p:grpSpPr>
       <p:grpSp>
         <p:nvGrpSpPr>
-          <p:cNvPr id="48" name="Group 36">
+          <p:cNvPr id="54" name="Group 53">
             <a:extLst>
               <a:ext uri="{FF2B5EF4-FFF2-40B4-BE49-F238E27FC236}">
-                <a16:creationId xmlns:a16="http://schemas.microsoft.com/office/drawing/2014/main" id="{427E0A4F-FE1D-4A81-8D8F-986345F71CBE}"/>
+                <a16:creationId xmlns:a16="http://schemas.microsoft.com/office/drawing/2014/main" id="{6061F655-345C-4AD8-85BC-913D875232C0}"/>
               </a:ext>
               <a:ext uri="{C183D7F6-B498-43B3-948B-1728B52AA6E4}">
                 <adec:decorative xmlns:adec="http://schemas.microsoft.com/office/drawing/2017/decorative" val="1"/>
@@ -16403,10 +16357,10 @@
         </p:grpSpPr>
         <p:sp>
           <p:nvSpPr>
-            <p:cNvPr id="38" name="Rectangle 37">
+            <p:cNvPr id="55" name="Rectangle 54">
               <a:extLst>
                 <a:ext uri="{FF2B5EF4-FFF2-40B4-BE49-F238E27FC236}">
-                  <a16:creationId xmlns:a16="http://schemas.microsoft.com/office/drawing/2014/main" id="{F70C2B8F-6B1B-46D5-86E6-40F36C695FC2}"/>
+                  <a16:creationId xmlns:a16="http://schemas.microsoft.com/office/drawing/2014/main" id="{643780CE-2BE5-46F6-97B2-60DF30217ED3}"/>
                 </a:ext>
                 <a:ext uri="{C183D7F6-B498-43B3-948B-1728B52AA6E4}">
                   <adec:decorative xmlns:adec="http://schemas.microsoft.com/office/drawing/2017/decorative" val="1"/>
@@ -16473,10 +16427,10 @@
         </p:sp>
         <p:sp>
           <p:nvSpPr>
-            <p:cNvPr id="39" name="Oval 38">
+            <p:cNvPr id="56" name="Oval 55">
               <a:extLst>
                 <a:ext uri="{FF2B5EF4-FFF2-40B4-BE49-F238E27FC236}">
-                  <a16:creationId xmlns:a16="http://schemas.microsoft.com/office/drawing/2014/main" id="{77B237C1-E8A0-4DD3-B6C5-F2D54F796F82}"/>
+                  <a16:creationId xmlns:a16="http://schemas.microsoft.com/office/drawing/2014/main" id="{4233DC0E-DE6C-4FB6-A529-51B162641AB8}"/>
                 </a:ext>
                 <a:ext uri="{C183D7F6-B498-43B3-948B-1728B52AA6E4}">
                   <adec:decorative xmlns:adec="http://schemas.microsoft.com/office/drawing/2017/decorative" val="1"/>
@@ -16545,10 +16499,10 @@
         </p:sp>
         <p:sp>
           <p:nvSpPr>
-            <p:cNvPr id="40" name="Oval 39">
+            <p:cNvPr id="57" name="Oval 56">
               <a:extLst>
                 <a:ext uri="{FF2B5EF4-FFF2-40B4-BE49-F238E27FC236}">
-                  <a16:creationId xmlns:a16="http://schemas.microsoft.com/office/drawing/2014/main" id="{88D62F0D-6BD4-4DD4-B125-6F7A952A3122}"/>
+                  <a16:creationId xmlns:a16="http://schemas.microsoft.com/office/drawing/2014/main" id="{3870477F-E451-4BC3-863F-0E2FC572884B}"/>
                 </a:ext>
                 <a:ext uri="{C183D7F6-B498-43B3-948B-1728B52AA6E4}">
                   <adec:decorative xmlns:adec="http://schemas.microsoft.com/office/drawing/2017/decorative" val="1"/>
@@ -16617,10 +16571,10 @@
         </p:sp>
         <p:sp>
           <p:nvSpPr>
-            <p:cNvPr id="41" name="Rectangle 40">
+            <p:cNvPr id="58" name="Rectangle 57">
               <a:extLst>
                 <a:ext uri="{FF2B5EF4-FFF2-40B4-BE49-F238E27FC236}">
-                  <a16:creationId xmlns:a16="http://schemas.microsoft.com/office/drawing/2014/main" id="{F928E8CD-5219-4795-91D4-9618DB8ED6C1}"/>
+                  <a16:creationId xmlns:a16="http://schemas.microsoft.com/office/drawing/2014/main" id="{88FBA05C-D740-40CE-9A7D-9E5A715AEA36}"/>
                 </a:ext>
                 <a:ext uri="{C183D7F6-B498-43B3-948B-1728B52AA6E4}">
                   <adec:decorative xmlns:adec="http://schemas.microsoft.com/office/drawing/2017/decorative" val="1"/>
@@ -16638,8 +16592,8 @@
           </p:nvSpPr>
           <p:spPr bwMode="gray">
             <a:xfrm>
-              <a:off x="6700828" y="402165"/>
-              <a:ext cx="5067838" cy="6053670"/>
+              <a:off x="5713412" y="402165"/>
+              <a:ext cx="6055253" cy="6053670"/>
             </a:xfrm>
             <a:prstGeom prst="rect">
               <a:avLst/>
@@ -16669,209 +16623,10 @@
         </p:sp>
         <p:sp>
           <p:nvSpPr>
-            <p:cNvPr id="42" name="Freeform 5">
+            <p:cNvPr id="59" name="Freeform 5">
               <a:extLst>
                 <a:ext uri="{FF2B5EF4-FFF2-40B4-BE49-F238E27FC236}">
-                  <a16:creationId xmlns:a16="http://schemas.microsoft.com/office/drawing/2014/main" id="{A00A43E1-4FE7-498F-AFFF-FDFC1FAF04AD}"/>
-                </a:ext>
-                <a:ext uri="{C183D7F6-B498-43B3-948B-1728B52AA6E4}">
-                  <adec:decorative xmlns:adec="http://schemas.microsoft.com/office/drawing/2017/decorative" val="1"/>
-                </a:ext>
-              </a:extLst>
-            </p:cNvPr>
-            <p:cNvSpPr/>
-            <p:nvPr>
-              <p:extLst>
-                <p:ext uri="{386F3935-93C4-4BCD-93E2-E3B085C9AB24}">
-                  <p16:designElem xmlns:p16="http://schemas.microsoft.com/office/powerpoint/2015/main" val="1"/>
-                </p:ext>
-              </p:extLst>
-            </p:nvPr>
-          </p:nvSpPr>
-          <p:spPr bwMode="gray">
-            <a:xfrm rot="16200000">
-              <a:off x="3787244" y="2801721"/>
-              <a:ext cx="6053670" cy="1254558"/>
-            </a:xfrm>
-            <a:custGeom>
-              <a:avLst/>
-              <a:gdLst/>
-              <a:ahLst/>
-              <a:cxnLst/>
-              <a:rect l="l" t="t" r="r" b="b"/>
-              <a:pathLst>
-                <a:path w="10000" h="8000">
-                  <a:moveTo>
-                    <a:pt x="0" y="0"/>
-                  </a:moveTo>
-                  <a:lnTo>
-                    <a:pt x="0" y="7970"/>
-                  </a:lnTo>
-                  <a:lnTo>
-                    <a:pt x="10000" y="8000"/>
-                  </a:lnTo>
-                  <a:lnTo>
-                    <a:pt x="10000" y="7"/>
-                  </a:lnTo>
-                  <a:lnTo>
-                    <a:pt x="10000" y="7"/>
-                  </a:lnTo>
-                  <a:lnTo>
-                    <a:pt x="9773" y="156"/>
-                  </a:lnTo>
-                  <a:lnTo>
-                    <a:pt x="9547" y="298"/>
-                  </a:lnTo>
-                  <a:lnTo>
-                    <a:pt x="9320" y="437"/>
-                  </a:lnTo>
-                  <a:lnTo>
-                    <a:pt x="9092" y="556"/>
-                  </a:lnTo>
-                  <a:lnTo>
-                    <a:pt x="8865" y="676"/>
-                  </a:lnTo>
-                  <a:lnTo>
-                    <a:pt x="8637" y="788"/>
-                  </a:lnTo>
-                  <a:lnTo>
-                    <a:pt x="8412" y="884"/>
-                  </a:lnTo>
-                  <a:lnTo>
-                    <a:pt x="8184" y="975"/>
-                  </a:lnTo>
-                  <a:lnTo>
-                    <a:pt x="7957" y="1058"/>
-                  </a:lnTo>
-                  <a:lnTo>
-                    <a:pt x="7734" y="1130"/>
-                  </a:lnTo>
-                  <a:lnTo>
-                    <a:pt x="7508" y="1202"/>
-                  </a:lnTo>
-                  <a:lnTo>
-                    <a:pt x="7285" y="1262"/>
-                  </a:lnTo>
-                  <a:lnTo>
-                    <a:pt x="7062" y="1309"/>
-                  </a:lnTo>
-                  <a:lnTo>
-                    <a:pt x="6840" y="1358"/>
-                  </a:lnTo>
-                  <a:lnTo>
-                    <a:pt x="6620" y="1399"/>
-                  </a:lnTo>
-                  <a:lnTo>
-                    <a:pt x="6402" y="1428"/>
-                  </a:lnTo>
-                  <a:lnTo>
-                    <a:pt x="6184" y="1453"/>
-                  </a:lnTo>
-                  <a:lnTo>
-                    <a:pt x="5968" y="1477"/>
-                  </a:lnTo>
-                  <a:lnTo>
-                    <a:pt x="5755" y="1488"/>
-                  </a:lnTo>
-                  <a:lnTo>
-                    <a:pt x="5542" y="1500"/>
-                  </a:lnTo>
-                  <a:lnTo>
-                    <a:pt x="5332" y="1506"/>
-                  </a:lnTo>
-                  <a:lnTo>
-                    <a:pt x="5124" y="1500"/>
-                  </a:lnTo>
-                  <a:lnTo>
-                    <a:pt x="4918" y="1500"/>
-                  </a:lnTo>
-                  <a:lnTo>
-                    <a:pt x="4714" y="1488"/>
-                  </a:lnTo>
-                  <a:lnTo>
-                    <a:pt x="4514" y="1470"/>
-                  </a:lnTo>
-                  <a:lnTo>
-                    <a:pt x="4316" y="1453"/>
-                  </a:lnTo>
-                  <a:lnTo>
-                    <a:pt x="4122" y="1434"/>
-                  </a:lnTo>
-                  <a:lnTo>
-                    <a:pt x="3929" y="1405"/>
-                  </a:lnTo>
-                  <a:lnTo>
-                    <a:pt x="3739" y="1374"/>
-                  </a:lnTo>
-                  <a:lnTo>
-                    <a:pt x="3553" y="1346"/>
-                  </a:lnTo>
-                  <a:lnTo>
-                    <a:pt x="3190" y="1267"/>
-                  </a:lnTo>
-                  <a:lnTo>
-                    <a:pt x="2842" y="1183"/>
-                  </a:lnTo>
-                  <a:lnTo>
-                    <a:pt x="2508" y="1095"/>
-                  </a:lnTo>
-                  <a:lnTo>
-                    <a:pt x="2192" y="998"/>
-                  </a:lnTo>
-                  <a:lnTo>
-                    <a:pt x="1890" y="897"/>
-                  </a:lnTo>
-                  <a:lnTo>
-                    <a:pt x="1610" y="788"/>
-                  </a:lnTo>
-                  <a:lnTo>
-                    <a:pt x="1347" y="681"/>
-                  </a:lnTo>
-                  <a:lnTo>
-                    <a:pt x="1105" y="574"/>
-                  </a:lnTo>
-                  <a:lnTo>
-                    <a:pt x="883" y="473"/>
-                  </a:lnTo>
-                  <a:lnTo>
-                    <a:pt x="686" y="377"/>
-                  </a:lnTo>
-                  <a:lnTo>
-                    <a:pt x="508" y="286"/>
-                  </a:lnTo>
-                  <a:lnTo>
-                    <a:pt x="358" y="210"/>
-                  </a:lnTo>
-                  <a:lnTo>
-                    <a:pt x="232" y="138"/>
-                  </a:lnTo>
-                  <a:lnTo>
-                    <a:pt x="59" y="35"/>
-                  </a:lnTo>
-                  <a:lnTo>
-                    <a:pt x="0" y="0"/>
-                  </a:lnTo>
-                  <a:lnTo>
-                    <a:pt x="0" y="0"/>
-                  </a:lnTo>
-                  <a:close/>
-                </a:path>
-              </a:pathLst>
-            </a:custGeom>
-            <a:solidFill>
-              <a:schemeClr val="bg1"/>
-            </a:solidFill>
-            <a:ln>
-              <a:noFill/>
-            </a:ln>
-          </p:spPr>
-        </p:sp>
-        <p:sp>
-          <p:nvSpPr>
-            <p:cNvPr id="43" name="Freeform 5">
-              <a:extLst>
-                <a:ext uri="{FF2B5EF4-FFF2-40B4-BE49-F238E27FC236}">
-                  <a16:creationId xmlns:a16="http://schemas.microsoft.com/office/drawing/2014/main" id="{DB521824-592C-476A-AB0A-CA0C6D1F3407}"/>
+                  <a16:creationId xmlns:a16="http://schemas.microsoft.com/office/drawing/2014/main" id="{B4A81DE1-E2BC-4A31-99EE-71350421B0EA}"/>
                 </a:ext>
                 <a:ext uri="{C183D7F6-B498-43B3-948B-1728B52AA6E4}">
                   <adec:decorative xmlns:adec="http://schemas.microsoft.com/office/drawing/2017/decorative" val="1"/>
@@ -16889,7 +16644,7 @@
           </p:nvSpPr>
           <p:spPr bwMode="gray">
             <a:xfrm rot="15922489">
-              <a:off x="4698352" y="1826078"/>
+              <a:off x="3140485" y="1826078"/>
               <a:ext cx="3299407" cy="440924"/>
             </a:xfrm>
             <a:custGeom>
@@ -17030,10 +16785,209 @@
         </p:sp>
         <p:sp>
           <p:nvSpPr>
-            <p:cNvPr id="44" name="Freeform 5">
+            <p:cNvPr id="60" name="Freeform 5">
               <a:extLst>
                 <a:ext uri="{FF2B5EF4-FFF2-40B4-BE49-F238E27FC236}">
-                  <a16:creationId xmlns:a16="http://schemas.microsoft.com/office/drawing/2014/main" id="{B5C860C9-D4F9-4350-80DA-0D1CD36C7741}"/>
+                  <a16:creationId xmlns:a16="http://schemas.microsoft.com/office/drawing/2014/main" id="{FDE8183D-5757-4D73-A338-62BDD88E49B2}"/>
+                </a:ext>
+                <a:ext uri="{C183D7F6-B498-43B3-948B-1728B52AA6E4}">
+                  <adec:decorative xmlns:adec="http://schemas.microsoft.com/office/drawing/2017/decorative" val="1"/>
+                </a:ext>
+              </a:extLst>
+            </p:cNvPr>
+            <p:cNvSpPr/>
+            <p:nvPr>
+              <p:extLst>
+                <p:ext uri="{386F3935-93C4-4BCD-93E2-E3B085C9AB24}">
+                  <p16:designElem xmlns:p16="http://schemas.microsoft.com/office/powerpoint/2015/main" val="1"/>
+                </p:ext>
+              </p:extLst>
+            </p:nvPr>
+          </p:nvSpPr>
+          <p:spPr bwMode="gray">
+            <a:xfrm rot="16200000">
+              <a:off x="2229377" y="2801721"/>
+              <a:ext cx="6053670" cy="1254558"/>
+            </a:xfrm>
+            <a:custGeom>
+              <a:avLst/>
+              <a:gdLst/>
+              <a:ahLst/>
+              <a:cxnLst/>
+              <a:rect l="l" t="t" r="r" b="b"/>
+              <a:pathLst>
+                <a:path w="10000" h="8000">
+                  <a:moveTo>
+                    <a:pt x="0" y="0"/>
+                  </a:moveTo>
+                  <a:lnTo>
+                    <a:pt x="0" y="7970"/>
+                  </a:lnTo>
+                  <a:lnTo>
+                    <a:pt x="10000" y="8000"/>
+                  </a:lnTo>
+                  <a:lnTo>
+                    <a:pt x="10000" y="7"/>
+                  </a:lnTo>
+                  <a:lnTo>
+                    <a:pt x="10000" y="7"/>
+                  </a:lnTo>
+                  <a:lnTo>
+                    <a:pt x="9773" y="156"/>
+                  </a:lnTo>
+                  <a:lnTo>
+                    <a:pt x="9547" y="298"/>
+                  </a:lnTo>
+                  <a:lnTo>
+                    <a:pt x="9320" y="437"/>
+                  </a:lnTo>
+                  <a:lnTo>
+                    <a:pt x="9092" y="556"/>
+                  </a:lnTo>
+                  <a:lnTo>
+                    <a:pt x="8865" y="676"/>
+                  </a:lnTo>
+                  <a:lnTo>
+                    <a:pt x="8637" y="788"/>
+                  </a:lnTo>
+                  <a:lnTo>
+                    <a:pt x="8412" y="884"/>
+                  </a:lnTo>
+                  <a:lnTo>
+                    <a:pt x="8184" y="975"/>
+                  </a:lnTo>
+                  <a:lnTo>
+                    <a:pt x="7957" y="1058"/>
+                  </a:lnTo>
+                  <a:lnTo>
+                    <a:pt x="7734" y="1130"/>
+                  </a:lnTo>
+                  <a:lnTo>
+                    <a:pt x="7508" y="1202"/>
+                  </a:lnTo>
+                  <a:lnTo>
+                    <a:pt x="7285" y="1262"/>
+                  </a:lnTo>
+                  <a:lnTo>
+                    <a:pt x="7062" y="1309"/>
+                  </a:lnTo>
+                  <a:lnTo>
+                    <a:pt x="6840" y="1358"/>
+                  </a:lnTo>
+                  <a:lnTo>
+                    <a:pt x="6620" y="1399"/>
+                  </a:lnTo>
+                  <a:lnTo>
+                    <a:pt x="6402" y="1428"/>
+                  </a:lnTo>
+                  <a:lnTo>
+                    <a:pt x="6184" y="1453"/>
+                  </a:lnTo>
+                  <a:lnTo>
+                    <a:pt x="5968" y="1477"/>
+                  </a:lnTo>
+                  <a:lnTo>
+                    <a:pt x="5755" y="1488"/>
+                  </a:lnTo>
+                  <a:lnTo>
+                    <a:pt x="5542" y="1500"/>
+                  </a:lnTo>
+                  <a:lnTo>
+                    <a:pt x="5332" y="1506"/>
+                  </a:lnTo>
+                  <a:lnTo>
+                    <a:pt x="5124" y="1500"/>
+                  </a:lnTo>
+                  <a:lnTo>
+                    <a:pt x="4918" y="1500"/>
+                  </a:lnTo>
+                  <a:lnTo>
+                    <a:pt x="4714" y="1488"/>
+                  </a:lnTo>
+                  <a:lnTo>
+                    <a:pt x="4514" y="1470"/>
+                  </a:lnTo>
+                  <a:lnTo>
+                    <a:pt x="4316" y="1453"/>
+                  </a:lnTo>
+                  <a:lnTo>
+                    <a:pt x="4122" y="1434"/>
+                  </a:lnTo>
+                  <a:lnTo>
+                    <a:pt x="3929" y="1405"/>
+                  </a:lnTo>
+                  <a:lnTo>
+                    <a:pt x="3739" y="1374"/>
+                  </a:lnTo>
+                  <a:lnTo>
+                    <a:pt x="3553" y="1346"/>
+                  </a:lnTo>
+                  <a:lnTo>
+                    <a:pt x="3190" y="1267"/>
+                  </a:lnTo>
+                  <a:lnTo>
+                    <a:pt x="2842" y="1183"/>
+                  </a:lnTo>
+                  <a:lnTo>
+                    <a:pt x="2508" y="1095"/>
+                  </a:lnTo>
+                  <a:lnTo>
+                    <a:pt x="2192" y="998"/>
+                  </a:lnTo>
+                  <a:lnTo>
+                    <a:pt x="1890" y="897"/>
+                  </a:lnTo>
+                  <a:lnTo>
+                    <a:pt x="1610" y="788"/>
+                  </a:lnTo>
+                  <a:lnTo>
+                    <a:pt x="1347" y="681"/>
+                  </a:lnTo>
+                  <a:lnTo>
+                    <a:pt x="1105" y="574"/>
+                  </a:lnTo>
+                  <a:lnTo>
+                    <a:pt x="883" y="473"/>
+                  </a:lnTo>
+                  <a:lnTo>
+                    <a:pt x="686" y="377"/>
+                  </a:lnTo>
+                  <a:lnTo>
+                    <a:pt x="508" y="286"/>
+                  </a:lnTo>
+                  <a:lnTo>
+                    <a:pt x="358" y="210"/>
+                  </a:lnTo>
+                  <a:lnTo>
+                    <a:pt x="232" y="138"/>
+                  </a:lnTo>
+                  <a:lnTo>
+                    <a:pt x="59" y="35"/>
+                  </a:lnTo>
+                  <a:lnTo>
+                    <a:pt x="0" y="0"/>
+                  </a:lnTo>
+                  <a:lnTo>
+                    <a:pt x="0" y="0"/>
+                  </a:lnTo>
+                  <a:close/>
+                </a:path>
+              </a:pathLst>
+            </a:custGeom>
+            <a:solidFill>
+              <a:schemeClr val="bg1"/>
+            </a:solidFill>
+            <a:ln>
+              <a:noFill/>
+            </a:ln>
+          </p:spPr>
+        </p:sp>
+        <p:sp>
+          <p:nvSpPr>
+            <p:cNvPr id="61" name="Freeform 5">
+              <a:extLst>
+                <a:ext uri="{FF2B5EF4-FFF2-40B4-BE49-F238E27FC236}">
+                  <a16:creationId xmlns:a16="http://schemas.microsoft.com/office/drawing/2014/main" id="{F6ACD5FC-CAFE-48EB-B765-60EED2E052F0}"/>
                 </a:ext>
                 <a:ext uri="{C183D7F6-B498-43B3-948B-1728B52AA6E4}">
                   <adec:decorative xmlns:adec="http://schemas.microsoft.com/office/drawing/2017/decorative" val="1"/>
@@ -17108,202 +17062,12 @@
           </p:spPr>
         </p:sp>
       </p:grpSp>
-      <p:sp>
-        <p:nvSpPr>
-          <p:cNvPr id="2" name="Title 1">
+      <p:pic>
+        <p:nvPicPr>
+          <p:cNvPr id="4" name="Picture 3" descr="A screenshot of a cell phone&#10;&#10;Description generated with very high confidence">
             <a:extLst>
               <a:ext uri="{FF2B5EF4-FFF2-40B4-BE49-F238E27FC236}">
-                <a16:creationId xmlns:a16="http://schemas.microsoft.com/office/drawing/2014/main" id="{B0F2E545-4B95-42BF-99FD-EC504CEB7572}"/>
-              </a:ext>
-            </a:extLst>
-          </p:cNvPr>
-          <p:cNvSpPr>
-            <a:spLocks noGrp="1"/>
-          </p:cNvSpPr>
-          <p:nvPr>
-            <p:ph type="title"/>
-          </p:nvPr>
-        </p:nvSpPr>
-        <p:spPr>
-          <a:xfrm>
-            <a:off x="639098" y="629265"/>
-            <a:ext cx="5132438" cy="1622322"/>
-          </a:xfrm>
-        </p:spPr>
-        <p:txBody>
-          <a:bodyPr>
-            <a:normAutofit/>
-          </a:bodyPr>
-          <a:lstStyle/>
-          <a:p>
-            <a:r>
-              <a:rPr lang="en-US">
-                <a:solidFill>
-                  <a:srgbClr val="EBEBEB"/>
-                </a:solidFill>
-              </a:rPr>
-              <a:t>Funcionalidades</a:t>
-            </a:r>
-            <a:r>
-              <a:rPr lang="en-US" dirty="0">
-                <a:solidFill>
-                  <a:srgbClr val="EBEBEB"/>
-                </a:solidFill>
-              </a:rPr>
-              <a:t> para </a:t>
-            </a:r>
-            <a:r>
-              <a:rPr lang="en-US">
-                <a:solidFill>
-                  <a:srgbClr val="EBEBEB"/>
-                </a:solidFill>
-              </a:rPr>
-              <a:t>usuarios</a:t>
-            </a:r>
-            <a:endParaRPr lang="en-US" dirty="0">
-              <a:solidFill>
-                <a:srgbClr val="EBEBEB"/>
-              </a:solidFill>
-            </a:endParaRPr>
-          </a:p>
-        </p:txBody>
-      </p:sp>
-      <p:sp>
-        <p:nvSpPr>
-          <p:cNvPr id="3" name="Content Placeholder 2">
-            <a:extLst>
-              <a:ext uri="{FF2B5EF4-FFF2-40B4-BE49-F238E27FC236}">
-                <a16:creationId xmlns:a16="http://schemas.microsoft.com/office/drawing/2014/main" id="{6B3B47A2-8F63-4B24-B12A-857632C86430}"/>
-              </a:ext>
-            </a:extLst>
-          </p:cNvPr>
-          <p:cNvSpPr>
-            <a:spLocks noGrp="1"/>
-          </p:cNvSpPr>
-          <p:nvPr>
-            <p:ph idx="1"/>
-          </p:nvPr>
-        </p:nvSpPr>
-        <p:spPr>
-          <a:xfrm>
-            <a:off x="639098" y="2418735"/>
-            <a:ext cx="5132439" cy="3811742"/>
-          </a:xfrm>
-        </p:spPr>
-        <p:txBody>
-          <a:bodyPr anchor="ctr">
-            <a:normAutofit/>
-          </a:bodyPr>
-          <a:lstStyle/>
-          <a:p>
-            <a:r>
-              <a:rPr lang="en-US" sz="2000" dirty="0" err="1">
-                <a:solidFill>
-                  <a:srgbClr val="FFFFFF"/>
-                </a:solidFill>
-              </a:rPr>
-              <a:t>Profesores</a:t>
-            </a:r>
-            <a:r>
-              <a:rPr lang="en-US" dirty="0">
-                <a:solidFill>
-                  <a:srgbClr val="FFFFFF"/>
-                </a:solidFill>
-              </a:rPr>
-              <a:t>:</a:t>
-            </a:r>
-          </a:p>
-          <a:p>
-            <a:pPr lvl="1"/>
-            <a:r>
-              <a:rPr lang="en-US" dirty="0" err="1">
-                <a:solidFill>
-                  <a:srgbClr val="FFFFFF"/>
-                </a:solidFill>
-              </a:rPr>
-              <a:t>Subida</a:t>
-            </a:r>
-            <a:r>
-              <a:rPr lang="en-US" dirty="0">
-                <a:solidFill>
-                  <a:srgbClr val="FFFFFF"/>
-                </a:solidFill>
-              </a:rPr>
-              <a:t> de material</a:t>
-            </a:r>
-          </a:p>
-          <a:p>
-            <a:pPr lvl="1"/>
-            <a:r>
-              <a:rPr lang="en-US" dirty="0" err="1">
-                <a:solidFill>
-                  <a:srgbClr val="FFFFFF"/>
-                </a:solidFill>
-              </a:rPr>
-              <a:t>Creación</a:t>
-            </a:r>
-            <a:r>
-              <a:rPr lang="en-US" dirty="0">
-                <a:solidFill>
-                  <a:srgbClr val="FFFFFF"/>
-                </a:solidFill>
-              </a:rPr>
-              <a:t> de </a:t>
-            </a:r>
-            <a:r>
-              <a:rPr lang="en-US" dirty="0" err="1">
-                <a:solidFill>
-                  <a:srgbClr val="FFFFFF"/>
-                </a:solidFill>
-              </a:rPr>
-              <a:t>actividades</a:t>
-            </a:r>
-            <a:endParaRPr lang="en-US" dirty="0">
-              <a:solidFill>
-                <a:srgbClr val="FFFFFF"/>
-              </a:solidFill>
-            </a:endParaRPr>
-          </a:p>
-          <a:p>
-            <a:pPr lvl="1"/>
-            <a:r>
-              <a:rPr lang="en-US" dirty="0" err="1">
-                <a:solidFill>
-                  <a:srgbClr val="FFFFFF"/>
-                </a:solidFill>
-              </a:rPr>
-              <a:t>Calificación</a:t>
-            </a:r>
-            <a:r>
-              <a:rPr lang="en-US" dirty="0">
-                <a:solidFill>
-                  <a:srgbClr val="FFFFFF"/>
-                </a:solidFill>
-              </a:rPr>
-              <a:t> de </a:t>
-            </a:r>
-            <a:r>
-              <a:rPr lang="en-US" dirty="0" err="1">
-                <a:solidFill>
-                  <a:srgbClr val="FFFFFF"/>
-                </a:solidFill>
-              </a:rPr>
-              <a:t>tareas</a:t>
-            </a:r>
-            <a:endParaRPr lang="en-US" dirty="0">
-              <a:solidFill>
-                <a:srgbClr val="FFFFFF"/>
-              </a:solidFill>
-            </a:endParaRPr>
-          </a:p>
-        </p:txBody>
-      </p:sp>
-      <p:pic>
-        <p:nvPicPr>
-          <p:cNvPr id="6" name="Picture 5">
-            <a:extLst>
-              <a:ext uri="{FF2B5EF4-FFF2-40B4-BE49-F238E27FC236}">
-                <a16:creationId xmlns:a16="http://schemas.microsoft.com/office/drawing/2014/main" id="{9B228AE5-C924-4057-B6AB-91F7388FE411}"/>
+                <a16:creationId xmlns:a16="http://schemas.microsoft.com/office/drawing/2014/main" id="{7CD48F10-8FF5-41CB-9E28-6E738E57903D}"/>
               </a:ext>
             </a:extLst>
           </p:cNvPr>
@@ -17320,8 +17084,8 @@
         </p:blipFill>
         <p:spPr>
           <a:xfrm>
-            <a:off x="7383762" y="645106"/>
-            <a:ext cx="3490854" cy="5585369"/>
+            <a:off x="5975145" y="803751"/>
+            <a:ext cx="4830457" cy="5250498"/>
           </a:xfrm>
           <a:prstGeom prst="rect">
             <a:avLst/>
@@ -17330,10 +17094,10 @@
       </p:pic>
       <p:sp>
         <p:nvSpPr>
-          <p:cNvPr id="49" name="Rectangle 45">
+          <p:cNvPr id="63" name="Rectangle 62">
             <a:extLst>
               <a:ext uri="{FF2B5EF4-FFF2-40B4-BE49-F238E27FC236}">
-                <a16:creationId xmlns:a16="http://schemas.microsoft.com/office/drawing/2014/main" id="{538A90C8-AE0E-4EBA-9AF8-EEDB206020E0}"/>
+                <a16:creationId xmlns:a16="http://schemas.microsoft.com/office/drawing/2014/main" id="{9F33B405-D785-4738-B1C0-6A0AA5E98286}"/>
               </a:ext>
               <a:ext uri="{C183D7F6-B498-43B3-948B-1728B52AA6E4}">
                 <adec:decorative xmlns:adec="http://schemas.microsoft.com/office/drawing/2017/decorative" val="1"/>
@@ -17380,6 +17144,127 @@
             <a:schemeClr val="lt1"/>
           </a:fontRef>
         </p:style>
+      </p:sp>
+      <p:sp>
+        <p:nvSpPr>
+          <p:cNvPr id="2" name="Title 1">
+            <a:extLst>
+              <a:ext uri="{FF2B5EF4-FFF2-40B4-BE49-F238E27FC236}">
+                <a16:creationId xmlns:a16="http://schemas.microsoft.com/office/drawing/2014/main" id="{B0F2E545-4B95-42BF-99FD-EC504CEB7572}"/>
+              </a:ext>
+            </a:extLst>
+          </p:cNvPr>
+          <p:cNvSpPr>
+            <a:spLocks noGrp="1"/>
+          </p:cNvSpPr>
+          <p:nvPr>
+            <p:ph type="title"/>
+          </p:nvPr>
+        </p:nvSpPr>
+        <p:spPr>
+          <a:xfrm>
+            <a:off x="1154955" y="973668"/>
+            <a:ext cx="2942210" cy="1020232"/>
+          </a:xfrm>
+        </p:spPr>
+        <p:txBody>
+          <a:bodyPr>
+            <a:normAutofit/>
+          </a:bodyPr>
+          <a:lstStyle/>
+          <a:p>
+            <a:pPr>
+              <a:lnSpc>
+                <a:spcPct val="90000"/>
+              </a:lnSpc>
+            </a:pPr>
+            <a:r>
+              <a:rPr lang="en-US" sz="2500">
+                <a:solidFill>
+                  <a:srgbClr val="EBEBEB"/>
+                </a:solidFill>
+              </a:rPr>
+              <a:t>Funcionalidades para usuarios</a:t>
+            </a:r>
+          </a:p>
+        </p:txBody>
+      </p:sp>
+      <p:sp>
+        <p:nvSpPr>
+          <p:cNvPr id="3" name="Content Placeholder 2">
+            <a:extLst>
+              <a:ext uri="{FF2B5EF4-FFF2-40B4-BE49-F238E27FC236}">
+                <a16:creationId xmlns:a16="http://schemas.microsoft.com/office/drawing/2014/main" id="{6B3B47A2-8F63-4B24-B12A-857632C86430}"/>
+              </a:ext>
+            </a:extLst>
+          </p:cNvPr>
+          <p:cNvSpPr>
+            <a:spLocks noGrp="1"/>
+          </p:cNvSpPr>
+          <p:nvPr>
+            <p:ph idx="1"/>
+          </p:nvPr>
+        </p:nvSpPr>
+        <p:spPr>
+          <a:xfrm>
+            <a:off x="1154955" y="2120900"/>
+            <a:ext cx="3133726" cy="3898900"/>
+          </a:xfrm>
+        </p:spPr>
+        <p:txBody>
+          <a:bodyPr>
+            <a:normAutofit/>
+          </a:bodyPr>
+          <a:lstStyle/>
+          <a:p>
+            <a:r>
+              <a:rPr lang="en-US">
+                <a:solidFill>
+                  <a:srgbClr val="FFFFFF"/>
+                </a:solidFill>
+              </a:rPr>
+              <a:t>Profesores:</a:t>
+            </a:r>
+          </a:p>
+          <a:p>
+            <a:pPr lvl="1"/>
+            <a:r>
+              <a:rPr lang="en-US">
+                <a:solidFill>
+                  <a:srgbClr val="FFFFFF"/>
+                </a:solidFill>
+              </a:rPr>
+              <a:t>Subida de material</a:t>
+            </a:r>
+          </a:p>
+          <a:p>
+            <a:pPr lvl="1"/>
+            <a:r>
+              <a:rPr lang="en-US">
+                <a:solidFill>
+                  <a:srgbClr val="FFFFFF"/>
+                </a:solidFill>
+              </a:rPr>
+              <a:t>Creación de actividades</a:t>
+            </a:r>
+          </a:p>
+          <a:p>
+            <a:pPr lvl="1"/>
+            <a:r>
+              <a:rPr lang="en-US">
+                <a:solidFill>
+                  <a:srgbClr val="FFFFFF"/>
+                </a:solidFill>
+              </a:rPr>
+              <a:t>Calificación de tareas</a:t>
+            </a:r>
+            <a:endParaRPr lang="en-US" dirty="0">
+              <a:solidFill>
+                <a:srgbClr val="FFFFFF"/>
+              </a:solidFill>
+            </a:endParaRPr>
+          </a:p>
+        </p:txBody>
       </p:sp>
     </p:spTree>
     <p:extLst>
@@ -17963,7 +17848,7 @@
       </p:grpSpPr>
       <p:grpSp>
         <p:nvGrpSpPr>
-          <p:cNvPr id="41" name="Group 29">
+          <p:cNvPr id="78" name="Group 77">
             <a:extLst>
               <a:ext uri="{FF2B5EF4-FFF2-40B4-BE49-F238E27FC236}">
                 <a16:creationId xmlns:a16="http://schemas.microsoft.com/office/drawing/2014/main" id="{B4AAB4D5-8AD0-4193-95B8-AD95981A94F4}"/>
@@ -17994,7 +17879,7 @@
         </p:grpSpPr>
         <p:sp>
           <p:nvSpPr>
-            <p:cNvPr id="31" name="Rectangle 30">
+            <p:cNvPr id="79" name="Rectangle 78">
               <a:extLst>
                 <a:ext uri="{FF2B5EF4-FFF2-40B4-BE49-F238E27FC236}">
                   <a16:creationId xmlns:a16="http://schemas.microsoft.com/office/drawing/2014/main" id="{D1DE3271-DD99-4DEF-AF9F-84397884C8EF}"/>
@@ -18064,7 +17949,7 @@
         </p:sp>
         <p:sp>
           <p:nvSpPr>
-            <p:cNvPr id="32" name="Oval 31">
+            <p:cNvPr id="80" name="Oval 79">
               <a:extLst>
                 <a:ext uri="{FF2B5EF4-FFF2-40B4-BE49-F238E27FC236}">
                   <a16:creationId xmlns:a16="http://schemas.microsoft.com/office/drawing/2014/main" id="{88293F9A-C61B-4B8A-AB73-31CEBFE2D89E}"/>
@@ -18136,7 +18021,7 @@
         </p:sp>
         <p:sp>
           <p:nvSpPr>
-            <p:cNvPr id="33" name="Oval 32">
+            <p:cNvPr id="81" name="Oval 80">
               <a:extLst>
                 <a:ext uri="{FF2B5EF4-FFF2-40B4-BE49-F238E27FC236}">
                   <a16:creationId xmlns:a16="http://schemas.microsoft.com/office/drawing/2014/main" id="{B5B72353-146F-44BE-B989-EB9E8E894C57}"/>
@@ -18208,7 +18093,7 @@
         </p:sp>
         <p:sp>
           <p:nvSpPr>
-            <p:cNvPr id="34" name="Rectangle 33">
+            <p:cNvPr id="82" name="Rectangle 81">
               <a:extLst>
                 <a:ext uri="{FF2B5EF4-FFF2-40B4-BE49-F238E27FC236}">
                   <a16:creationId xmlns:a16="http://schemas.microsoft.com/office/drawing/2014/main" id="{BF1F5E4D-034A-4ED9-856C-14F8E2FC850E}"/>
@@ -18260,7 +18145,7 @@
         </p:sp>
         <p:sp>
           <p:nvSpPr>
-            <p:cNvPr id="35" name="Freeform 5">
+            <p:cNvPr id="83" name="Freeform 5">
               <a:extLst>
                 <a:ext uri="{FF2B5EF4-FFF2-40B4-BE49-F238E27FC236}">
                   <a16:creationId xmlns:a16="http://schemas.microsoft.com/office/drawing/2014/main" id="{CE5D2423-FE63-4717-8074-F9CA7146B733}"/>
@@ -18459,7 +18344,7 @@
         </p:sp>
         <p:sp>
           <p:nvSpPr>
-            <p:cNvPr id="36" name="Freeform 5">
+            <p:cNvPr id="84" name="Freeform 5">
               <a:extLst>
                 <a:ext uri="{FF2B5EF4-FFF2-40B4-BE49-F238E27FC236}">
                   <a16:creationId xmlns:a16="http://schemas.microsoft.com/office/drawing/2014/main" id="{8ADF14A3-1454-4B74-8B4A-CB197D7A797F}"/>
@@ -18621,7 +18506,7 @@
         </p:sp>
         <p:sp>
           <p:nvSpPr>
-            <p:cNvPr id="37" name="Freeform 5">
+            <p:cNvPr id="85" name="Freeform 5">
               <a:extLst>
                 <a:ext uri="{FF2B5EF4-FFF2-40B4-BE49-F238E27FC236}">
                   <a16:creationId xmlns:a16="http://schemas.microsoft.com/office/drawing/2014/main" id="{EC19D556-0251-4E87-AE24-890965BAD5D9}"/>
@@ -18699,6 +18584,119 @@
           </p:spPr>
         </p:sp>
       </p:grpSp>
+      <p:pic>
+        <p:nvPicPr>
+          <p:cNvPr id="3" name="Picture 2" descr="A screenshot of a cell phone&#10;&#10;Description generated with very high confidence">
+            <a:extLst>
+              <a:ext uri="{FF2B5EF4-FFF2-40B4-BE49-F238E27FC236}">
+                <a16:creationId xmlns:a16="http://schemas.microsoft.com/office/drawing/2014/main" id="{517FEBC1-04C0-4722-AC14-DEA98431409A}"/>
+              </a:ext>
+            </a:extLst>
+          </p:cNvPr>
+          <p:cNvPicPr>
+            <a:picLocks noChangeAspect="1"/>
+          </p:cNvPicPr>
+          <p:nvPr/>
+        </p:nvPicPr>
+        <p:blipFill>
+          <a:blip r:embed="rId3"/>
+          <a:stretch>
+            <a:fillRect/>
+          </a:stretch>
+        </p:blipFill>
+        <p:spPr>
+          <a:xfrm>
+            <a:off x="6714836" y="817268"/>
+            <a:ext cx="4828707" cy="2366066"/>
+          </a:xfrm>
+          <a:prstGeom prst="rect">
+            <a:avLst/>
+          </a:prstGeom>
+        </p:spPr>
+      </p:pic>
+      <p:sp>
+        <p:nvSpPr>
+          <p:cNvPr id="87" name="Rectangle 86">
+            <a:extLst>
+              <a:ext uri="{FF2B5EF4-FFF2-40B4-BE49-F238E27FC236}">
+                <a16:creationId xmlns:a16="http://schemas.microsoft.com/office/drawing/2014/main" id="{CBC3C8C6-98E2-45EF-AEFC-30C0DBA0E958}"/>
+              </a:ext>
+              <a:ext uri="{C183D7F6-B498-43B3-948B-1728B52AA6E4}">
+                <adec:decorative xmlns:adec="http://schemas.microsoft.com/office/drawing/2017/decorative" val="1"/>
+              </a:ext>
+            </a:extLst>
+          </p:cNvPr>
+          <p:cNvSpPr>
+            <a:spLocks noGrp="1" noRot="1" noChangeAspect="1" noMove="1" noResize="1" noEditPoints="1" noAdjustHandles="1" noChangeArrowheads="1" noChangeShapeType="1" noTextEdit="1"/>
+          </p:cNvSpPr>
+          <p:nvPr>
+            <p:extLst>
+              <p:ext uri="{386F3935-93C4-4BCD-93E2-E3B085C9AB24}">
+                <p16:designElem xmlns:p16="http://schemas.microsoft.com/office/powerpoint/2015/main" val="1"/>
+              </p:ext>
+            </p:extLst>
+          </p:nvPr>
+        </p:nvSpPr>
+        <p:spPr>
+          <a:xfrm>
+            <a:off x="10437812" y="0"/>
+            <a:ext cx="685800" cy="1143000"/>
+          </a:xfrm>
+          <a:prstGeom prst="rect">
+            <a:avLst/>
+          </a:prstGeom>
+          <a:solidFill>
+            <a:schemeClr val="accent1"/>
+          </a:solidFill>
+          <a:ln>
+            <a:noFill/>
+          </a:ln>
+        </p:spPr>
+        <p:style>
+          <a:lnRef idx="1">
+            <a:schemeClr val="accent1"/>
+          </a:lnRef>
+          <a:fillRef idx="3">
+            <a:schemeClr val="accent1"/>
+          </a:fillRef>
+          <a:effectRef idx="2">
+            <a:schemeClr val="accent1"/>
+          </a:effectRef>
+          <a:fontRef idx="minor">
+            <a:schemeClr val="lt1"/>
+          </a:fontRef>
+        </p:style>
+      </p:sp>
+      <p:pic>
+        <p:nvPicPr>
+          <p:cNvPr id="4" name="Picture 3" descr="A screenshot of a cell phone&#10;&#10;Description generated with very high confidence">
+            <a:extLst>
+              <a:ext uri="{FF2B5EF4-FFF2-40B4-BE49-F238E27FC236}">
+                <a16:creationId xmlns:a16="http://schemas.microsoft.com/office/drawing/2014/main" id="{A02E624B-F4E1-40CD-B2DB-5F9D617C4F50}"/>
+              </a:ext>
+            </a:extLst>
+          </p:cNvPr>
+          <p:cNvPicPr>
+            <a:picLocks noChangeAspect="1"/>
+          </p:cNvPicPr>
+          <p:nvPr/>
+        </p:nvPicPr>
+        <p:blipFill>
+          <a:blip r:embed="rId4"/>
+          <a:stretch>
+            <a:fillRect/>
+          </a:stretch>
+        </p:blipFill>
+        <p:spPr>
+          <a:xfrm>
+            <a:off x="7877095" y="3520086"/>
+            <a:ext cx="2500334" cy="2710389"/>
+          </a:xfrm>
+          <a:prstGeom prst="rect">
+            <a:avLst/>
+          </a:prstGeom>
+        </p:spPr>
+      </p:pic>
       <p:sp>
         <p:nvSpPr>
           <p:cNvPr id="2" name="Title 1">
@@ -18809,119 +18807,6 @@
           </a:p>
         </p:txBody>
       </p:sp>
-      <p:pic>
-        <p:nvPicPr>
-          <p:cNvPr id="11" name="Content Placeholder 6">
-            <a:extLst>
-              <a:ext uri="{FF2B5EF4-FFF2-40B4-BE49-F238E27FC236}">
-                <a16:creationId xmlns:a16="http://schemas.microsoft.com/office/drawing/2014/main" id="{9ED5D16B-0FD1-4AC5-8145-A98000C8DE28}"/>
-              </a:ext>
-            </a:extLst>
-          </p:cNvPr>
-          <p:cNvPicPr>
-            <a:picLocks noChangeAspect="1"/>
-          </p:cNvPicPr>
-          <p:nvPr/>
-        </p:nvPicPr>
-        <p:blipFill>
-          <a:blip r:embed="rId3"/>
-          <a:stretch>
-            <a:fillRect/>
-          </a:stretch>
-        </p:blipFill>
-        <p:spPr>
-          <a:xfrm>
-            <a:off x="7075865" y="645107"/>
-            <a:ext cx="4106648" cy="2710388"/>
-          </a:xfrm>
-          <a:prstGeom prst="rect">
-            <a:avLst/>
-          </a:prstGeom>
-        </p:spPr>
-      </p:pic>
-      <p:sp>
-        <p:nvSpPr>
-          <p:cNvPr id="42" name="Rectangle 38">
-            <a:extLst>
-              <a:ext uri="{FF2B5EF4-FFF2-40B4-BE49-F238E27FC236}">
-                <a16:creationId xmlns:a16="http://schemas.microsoft.com/office/drawing/2014/main" id="{CBC3C8C6-98E2-45EF-AEFC-30C0DBA0E958}"/>
-              </a:ext>
-              <a:ext uri="{C183D7F6-B498-43B3-948B-1728B52AA6E4}">
-                <adec:decorative xmlns:adec="http://schemas.microsoft.com/office/drawing/2017/decorative" val="1"/>
-              </a:ext>
-            </a:extLst>
-          </p:cNvPr>
-          <p:cNvSpPr>
-            <a:spLocks noGrp="1" noRot="1" noChangeAspect="1" noMove="1" noResize="1" noEditPoints="1" noAdjustHandles="1" noChangeArrowheads="1" noChangeShapeType="1" noTextEdit="1"/>
-          </p:cNvSpPr>
-          <p:nvPr>
-            <p:extLst>
-              <p:ext uri="{386F3935-93C4-4BCD-93E2-E3B085C9AB24}">
-                <p16:designElem xmlns:p16="http://schemas.microsoft.com/office/powerpoint/2015/main" val="1"/>
-              </p:ext>
-            </p:extLst>
-          </p:nvPr>
-        </p:nvSpPr>
-        <p:spPr>
-          <a:xfrm>
-            <a:off x="10437812" y="0"/>
-            <a:ext cx="685800" cy="1143000"/>
-          </a:xfrm>
-          <a:prstGeom prst="rect">
-            <a:avLst/>
-          </a:prstGeom>
-          <a:solidFill>
-            <a:schemeClr val="accent1"/>
-          </a:solidFill>
-          <a:ln>
-            <a:noFill/>
-          </a:ln>
-        </p:spPr>
-        <p:style>
-          <a:lnRef idx="1">
-            <a:schemeClr val="accent1"/>
-          </a:lnRef>
-          <a:fillRef idx="3">
-            <a:schemeClr val="accent1"/>
-          </a:fillRef>
-          <a:effectRef idx="2">
-            <a:schemeClr val="accent1"/>
-          </a:effectRef>
-          <a:fontRef idx="minor">
-            <a:schemeClr val="lt1"/>
-          </a:fontRef>
-        </p:style>
-      </p:sp>
-      <p:pic>
-        <p:nvPicPr>
-          <p:cNvPr id="8" name="Picture 7">
-            <a:extLst>
-              <a:ext uri="{FF2B5EF4-FFF2-40B4-BE49-F238E27FC236}">
-                <a16:creationId xmlns:a16="http://schemas.microsoft.com/office/drawing/2014/main" id="{217364AE-8B98-4A3F-9FF4-718005488DF8}"/>
-              </a:ext>
-            </a:extLst>
-          </p:cNvPr>
-          <p:cNvPicPr>
-            <a:picLocks noChangeAspect="1"/>
-          </p:cNvPicPr>
-          <p:nvPr/>
-        </p:nvPicPr>
-        <p:blipFill>
-          <a:blip r:embed="rId4"/>
-          <a:stretch>
-            <a:fillRect/>
-          </a:stretch>
-        </p:blipFill>
-        <p:spPr>
-          <a:xfrm>
-            <a:off x="8270102" y="3520086"/>
-            <a:ext cx="1714320" cy="2710389"/>
-          </a:xfrm>
-          <a:prstGeom prst="rect">
-            <a:avLst/>
-          </a:prstGeom>
-        </p:spPr>
-      </p:pic>
     </p:spTree>
     <p:extLst>
       <p:ext uri="{BB962C8B-B14F-4D97-AF65-F5344CB8AC3E}">

--- a/Documentacion/Presentacion.pptx
+++ b/Documentacion/Presentacion.pptx
@@ -456,7 +456,7 @@
             <a:fld id="{5923F103-BC34-4FE4-A40E-EDDEECFDA5D0}" type="datetimeFigureOut">
               <a:rPr lang="en-US" dirty="0"/>
               <a:pPr/>
-              <a:t>13-Jun-18</a:t>
+              <a:t>6/14/2018</a:t>
             </a:fld>
             <a:endParaRPr lang="en-US" dirty="0"/>
           </a:p>
@@ -1544,7 +1544,7 @@
           <a:p>
             <a:fld id="{923A1CC3-2375-41D4-9E03-427CAF2A4C1A}" type="datetimeFigureOut">
               <a:rPr lang="en-US" dirty="0"/>
-              <a:t>13-Jun-18</a:t>
+              <a:t>6/14/2018</a:t>
             </a:fld>
             <a:endParaRPr lang="en-US" dirty="0"/>
           </a:p>
@@ -2524,7 +2524,7 @@
           <a:p>
             <a:fld id="{AFF16868-8199-4C2C-A5B1-63AEE139F88E}" type="datetimeFigureOut">
               <a:rPr lang="en-US" dirty="0"/>
-              <a:t>13-Jun-18</a:t>
+              <a:t>6/14/2018</a:t>
             </a:fld>
             <a:endParaRPr lang="en-US" dirty="0"/>
           </a:p>
@@ -3658,7 +3658,7 @@
           <a:p>
             <a:fld id="{AAD9FF7F-6988-44CC-821B-644E70CD2F73}" type="datetimeFigureOut">
               <a:rPr lang="en-US" dirty="0"/>
-              <a:t>13-Jun-18</a:t>
+              <a:t>6/14/2018</a:t>
             </a:fld>
             <a:endParaRPr lang="en-US" dirty="0"/>
           </a:p>
@@ -4691,7 +4691,7 @@
           <a:p>
             <a:fld id="{5C12C299-16B2-4475-990D-751901EACC14}" type="datetimeFigureOut">
               <a:rPr lang="en-US" dirty="0"/>
-              <a:t>13-Jun-18</a:t>
+              <a:t>6/14/2018</a:t>
             </a:fld>
             <a:endParaRPr lang="en-US" dirty="0"/>
           </a:p>
@@ -5351,7 +5351,7 @@
           <a:p>
             <a:fld id="{9FE86839-B9D8-4651-8783-F325ECE74E65}" type="datetimeFigureOut">
               <a:rPr lang="en-US" dirty="0"/>
-              <a:t>13-Jun-18</a:t>
+              <a:t>6/14/2018</a:t>
             </a:fld>
             <a:endParaRPr lang="en-US" dirty="0"/>
           </a:p>
@@ -6212,7 +6212,7 @@
           <a:p>
             <a:fld id="{FD484F64-32F6-45C5-931F-ADC1662401D0}" type="datetimeFigureOut">
               <a:rPr lang="en-US" dirty="0"/>
-              <a:t>13-Jun-18</a:t>
+              <a:t>6/14/2018</a:t>
             </a:fld>
             <a:endParaRPr lang="en-US" dirty="0"/>
           </a:p>
@@ -6402,7 +6402,7 @@
           <a:p>
             <a:fld id="{53086D93-FCAC-47E0-A2EE-787E62CA814C}" type="datetimeFigureOut">
               <a:rPr lang="en-US" dirty="0"/>
-              <a:t>13-Jun-18</a:t>
+              <a:t>6/14/2018</a:t>
             </a:fld>
             <a:endParaRPr lang="en-US" dirty="0"/>
           </a:p>
@@ -7374,7 +7374,7 @@
           <a:p>
             <a:fld id="{CDA879A6-0FD0-4734-A311-86BFCA472E6E}" type="datetimeFigureOut">
               <a:rPr lang="en-US" dirty="0"/>
-              <a:t>13-Jun-18</a:t>
+              <a:t>6/14/2018</a:t>
             </a:fld>
             <a:endParaRPr lang="en-US" dirty="0"/>
           </a:p>
@@ -7585,7 +7585,7 @@
           <a:p>
             <a:fld id="{19C9CA7B-DFD4-44B5-8C60-D14B8CD1FB59}" type="datetimeFigureOut">
               <a:rPr lang="en-US" dirty="0"/>
-              <a:t>13-Jun-18</a:t>
+              <a:t>6/14/2018</a:t>
             </a:fld>
             <a:endParaRPr lang="en-US" dirty="0"/>
           </a:p>
@@ -8619,7 +8619,7 @@
           <a:p>
             <a:fld id="{F34E6425-0181-43F2-84FC-787E803FD2F8}" type="datetimeFigureOut">
               <a:rPr lang="en-US" dirty="0"/>
-              <a:t>13-Jun-18</a:t>
+              <a:t>6/14/2018</a:t>
             </a:fld>
             <a:endParaRPr lang="en-US" dirty="0"/>
           </a:p>
@@ -8891,7 +8891,7 @@
           <a:p>
             <a:fld id="{3BDB8791-F1B0-41E7-B7FD-A781E65C4266}" type="datetimeFigureOut">
               <a:rPr lang="en-US" dirty="0"/>
-              <a:t>13-Jun-18</a:t>
+              <a:t>6/14/2018</a:t>
             </a:fld>
             <a:endParaRPr lang="en-US" dirty="0"/>
           </a:p>
@@ -9301,7 +9301,7 @@
           <a:p>
             <a:fld id="{5FDD63B2-E120-4ED8-B27B-C685F510A5FE}" type="datetimeFigureOut">
               <a:rPr lang="en-US" dirty="0"/>
-              <a:t>13-Jun-18</a:t>
+              <a:t>6/14/2018</a:t>
             </a:fld>
             <a:endParaRPr lang="en-US" dirty="0"/>
           </a:p>
@@ -9428,7 +9428,7 @@
           <a:p>
             <a:fld id="{7AA18ACC-A947-437B-A130-35BD54FDF1E9}" type="datetimeFigureOut">
               <a:rPr lang="en-US" dirty="0"/>
-              <a:t>13-Jun-18</a:t>
+              <a:t>6/14/2018</a:t>
             </a:fld>
             <a:endParaRPr lang="en-US" dirty="0"/>
           </a:p>
@@ -9523,7 +9523,7 @@
           <a:p>
             <a:fld id="{7C8D7E02-BCB8-4D50-A234-369438C08659}" type="datetimeFigureOut">
               <a:rPr lang="en-US" dirty="0"/>
-              <a:t>13-Jun-18</a:t>
+              <a:t>6/14/2018</a:t>
             </a:fld>
             <a:endParaRPr lang="en-US" dirty="0"/>
           </a:p>
@@ -10604,7 +10604,7 @@
           <a:p>
             <a:fld id="{76E86A4C-8E40-4F87-A4F0-01A0687C5742}" type="datetimeFigureOut">
               <a:rPr lang="en-US" dirty="0"/>
-              <a:t>13-Jun-18</a:t>
+              <a:t>6/14/2018</a:t>
             </a:fld>
             <a:endParaRPr lang="en-US" dirty="0"/>
           </a:p>
@@ -11712,7 +11712,7 @@
           <a:p>
             <a:fld id="{35E72C73-2D91-4E12-BA25-F0AA0C03599B}" type="datetimeFigureOut">
               <a:rPr lang="en-US" dirty="0"/>
-              <a:t>13-Jun-18</a:t>
+              <a:t>6/14/2018</a:t>
             </a:fld>
             <a:endParaRPr lang="en-US" dirty="0"/>
           </a:p>
@@ -12709,7 +12709,7 @@
           <a:p>
             <a:fld id="{2BE451C3-0FF4-47C4-B829-773ADF60F88C}" type="datetimeFigureOut">
               <a:rPr lang="en-US" dirty="0"/>
-              <a:t>13-Jun-18</a:t>
+              <a:t>6/14/2018</a:t>
             </a:fld>
             <a:endParaRPr lang="en-US" dirty="0"/>
           </a:p>
@@ -17448,10 +17448,10 @@
       </p:sp>
       <p:pic>
         <p:nvPicPr>
-          <p:cNvPr id="4" name="Picture 3">
+          <p:cNvPr id="6" name="Picture 5">
             <a:extLst>
               <a:ext uri="{FF2B5EF4-FFF2-40B4-BE49-F238E27FC236}">
-                <a16:creationId xmlns:a16="http://schemas.microsoft.com/office/drawing/2014/main" id="{F8BE3513-5A47-4D14-8F3B-CB810E3069F5}"/>
+                <a16:creationId xmlns:a16="http://schemas.microsoft.com/office/drawing/2014/main" id="{B21287E9-2A98-45DB-9FBF-6B53E7AE581F}"/>
               </a:ext>
             </a:extLst>
           </p:cNvPr>
@@ -17468,19 +17468,19 @@
         </p:blipFill>
         <p:spPr>
           <a:xfrm>
-            <a:off x="4984956" y="2777530"/>
-            <a:ext cx="6158802" cy="3064004"/>
+            <a:off x="4346086" y="2565410"/>
+            <a:ext cx="7544356" cy="3318922"/>
           </a:xfrm>
           <a:prstGeom prst="roundRect">
             <a:avLst>
-              <a:gd name="adj" fmla="val 1858"/>
+              <a:gd name="adj" fmla="val 1567"/>
             </a:avLst>
           </a:prstGeom>
           <a:effectLst>
-            <a:outerShdw blurRad="50800" dist="50800" dir="5400000" algn="tl" rotWithShape="0">
-              <a:srgbClr val="000000">
-                <a:alpha val="43000"/>
-              </a:srgbClr>
+            <a:outerShdw blurRad="50800" dist="38100" dir="2700000" algn="tl" rotWithShape="0">
+              <a:prstClr val="black">
+                <a:alpha val="40000"/>
+              </a:prstClr>
             </a:outerShdw>
           </a:effectLst>
         </p:spPr>
